--- a/sprints_details/finalppt.pptx
+++ b/sprints_details/finalppt.pptx
@@ -1,24 +1,120 @@
 
 <file path=ppt/presentation.xml><?xml version="1.0" encoding="utf-8"?>
-<p:presentation xmlns:a="http://schemas.openxmlformats.org/drawingml/2006/main" xmlns:p="http://schemas.openxmlformats.org/presentationml/2006/main" xmlns:r="http://schemas.openxmlformats.org/officeDocument/2006/relationships" xmlns:p14="http://schemas.microsoft.com/office/powerpoint/2010/main" xmlns:p15="http://schemas.microsoft.com/office/powerpoint/2012/main" xmlns:mc="http://schemas.openxmlformats.org/markup-compatibility/2006">
+<p:presentation xmlns:a="http://schemas.openxmlformats.org/drawingml/2006/main" xmlns:r="http://schemas.openxmlformats.org/officeDocument/2006/relationships" xmlns:p="http://schemas.openxmlformats.org/presentationml/2006/main">
   <p:sldMasterIdLst>
-    <p:sldMasterId id="2147483648" r:id="rId2"/>
-    <p:sldMasterId id="2147483661" r:id="rId3"/>
+    <p:sldMasterId id="2147483648" r:id="rId1"/>
+    <p:sldMasterId id="2147483661" r:id="rId2"/>
   </p:sldMasterIdLst>
   <p:sldIdLst>
-    <p:sldId id="256" r:id="rId4"/>
-    <p:sldId id="257" r:id="rId5"/>
-    <p:sldId id="258" r:id="rId6"/>
-    <p:sldId id="259" r:id="rId7"/>
-    <p:sldId id="260" r:id="rId8"/>
+    <p:sldId id="256" r:id="rId3"/>
+    <p:sldId id="258" r:id="rId4"/>
+    <p:sldId id="259" r:id="rId5"/>
+    <p:sldId id="260" r:id="rId6"/>
+    <p:sldId id="261" r:id="rId7"/>
+    <p:sldId id="262" r:id="rId8"/>
   </p:sldIdLst>
   <p:sldSz cx="10080625" cy="5670550"/>
-  <p:notesSz cx="7559675" cy="10691812"/>
+  <p:notesSz cx="7559675" cy="10691813"/>
+  <p:defaultTextStyle>
+    <a:defPPr>
+      <a:defRPr lang="en-US"/>
+    </a:defPPr>
+    <a:lvl1pPr marL="0" algn="l" defTabSz="914400" rtl="0" eaLnBrk="1" latinLnBrk="0" hangingPunct="1">
+      <a:defRPr sz="1800" kern="1200">
+        <a:solidFill>
+          <a:schemeClr val="tx1"/>
+        </a:solidFill>
+        <a:latin typeface="+mn-lt"/>
+        <a:ea typeface="+mn-ea"/>
+        <a:cs typeface="+mn-cs"/>
+      </a:defRPr>
+    </a:lvl1pPr>
+    <a:lvl2pPr marL="457200" algn="l" defTabSz="914400" rtl="0" eaLnBrk="1" latinLnBrk="0" hangingPunct="1">
+      <a:defRPr sz="1800" kern="1200">
+        <a:solidFill>
+          <a:schemeClr val="tx1"/>
+        </a:solidFill>
+        <a:latin typeface="+mn-lt"/>
+        <a:ea typeface="+mn-ea"/>
+        <a:cs typeface="+mn-cs"/>
+      </a:defRPr>
+    </a:lvl2pPr>
+    <a:lvl3pPr marL="914400" algn="l" defTabSz="914400" rtl="0" eaLnBrk="1" latinLnBrk="0" hangingPunct="1">
+      <a:defRPr sz="1800" kern="1200">
+        <a:solidFill>
+          <a:schemeClr val="tx1"/>
+        </a:solidFill>
+        <a:latin typeface="+mn-lt"/>
+        <a:ea typeface="+mn-ea"/>
+        <a:cs typeface="+mn-cs"/>
+      </a:defRPr>
+    </a:lvl3pPr>
+    <a:lvl4pPr marL="1371600" algn="l" defTabSz="914400" rtl="0" eaLnBrk="1" latinLnBrk="0" hangingPunct="1">
+      <a:defRPr sz="1800" kern="1200">
+        <a:solidFill>
+          <a:schemeClr val="tx1"/>
+        </a:solidFill>
+        <a:latin typeface="+mn-lt"/>
+        <a:ea typeface="+mn-ea"/>
+        <a:cs typeface="+mn-cs"/>
+      </a:defRPr>
+    </a:lvl4pPr>
+    <a:lvl5pPr marL="1828800" algn="l" defTabSz="914400" rtl="0" eaLnBrk="1" latinLnBrk="0" hangingPunct="1">
+      <a:defRPr sz="1800" kern="1200">
+        <a:solidFill>
+          <a:schemeClr val="tx1"/>
+        </a:solidFill>
+        <a:latin typeface="+mn-lt"/>
+        <a:ea typeface="+mn-ea"/>
+        <a:cs typeface="+mn-cs"/>
+      </a:defRPr>
+    </a:lvl5pPr>
+    <a:lvl6pPr marL="2286000" algn="l" defTabSz="914400" rtl="0" eaLnBrk="1" latinLnBrk="0" hangingPunct="1">
+      <a:defRPr sz="1800" kern="1200">
+        <a:solidFill>
+          <a:schemeClr val="tx1"/>
+        </a:solidFill>
+        <a:latin typeface="+mn-lt"/>
+        <a:ea typeface="+mn-ea"/>
+        <a:cs typeface="+mn-cs"/>
+      </a:defRPr>
+    </a:lvl6pPr>
+    <a:lvl7pPr marL="2743200" algn="l" defTabSz="914400" rtl="0" eaLnBrk="1" latinLnBrk="0" hangingPunct="1">
+      <a:defRPr sz="1800" kern="1200">
+        <a:solidFill>
+          <a:schemeClr val="tx1"/>
+        </a:solidFill>
+        <a:latin typeface="+mn-lt"/>
+        <a:ea typeface="+mn-ea"/>
+        <a:cs typeface="+mn-cs"/>
+      </a:defRPr>
+    </a:lvl7pPr>
+    <a:lvl8pPr marL="3200400" algn="l" defTabSz="914400" rtl="0" eaLnBrk="1" latinLnBrk="0" hangingPunct="1">
+      <a:defRPr sz="1800" kern="1200">
+        <a:solidFill>
+          <a:schemeClr val="tx1"/>
+        </a:solidFill>
+        <a:latin typeface="+mn-lt"/>
+        <a:ea typeface="+mn-ea"/>
+        <a:cs typeface="+mn-cs"/>
+      </a:defRPr>
+    </a:lvl8pPr>
+    <a:lvl9pPr marL="3657600" algn="l" defTabSz="914400" rtl="0" eaLnBrk="1" latinLnBrk="0" hangingPunct="1">
+      <a:defRPr sz="1800" kern="1200">
+        <a:solidFill>
+          <a:schemeClr val="tx1"/>
+        </a:solidFill>
+        <a:latin typeface="+mn-lt"/>
+        <a:ea typeface="+mn-ea"/>
+        <a:cs typeface="+mn-cs"/>
+      </a:defRPr>
+    </a:lvl9pPr>
+  </p:defaultTextStyle>
 </p:presentation>
 </file>
 
 <file path=ppt/slideLayouts/slideLayout1.xml><?xml version="1.0" encoding="utf-8"?>
-<p:sldLayout xmlns:a="http://schemas.openxmlformats.org/drawingml/2006/main" xmlns:p="http://schemas.openxmlformats.org/presentationml/2006/main" xmlns:r="http://schemas.openxmlformats.org/officeDocument/2006/relationships" xmlns:p14="http://schemas.microsoft.com/office/powerpoint/2010/main" xmlns:p15="http://schemas.microsoft.com/office/powerpoint/2012/main" xmlns:mc="http://schemas.openxmlformats.org/markup-compatibility/2006" type="blank" preserve="1">
+<p:sldLayout xmlns:a="http://schemas.openxmlformats.org/drawingml/2006/main" xmlns:r="http://schemas.openxmlformats.org/officeDocument/2006/relationships" xmlns:p="http://schemas.openxmlformats.org/presentationml/2006/main" type="blank" preserve="1">
   <p:cSld name="Blank Slide">
     <p:spTree>
       <p:nvGrpSpPr>
@@ -36,11 +132,14 @@
       </p:grpSpPr>
     </p:spTree>
   </p:cSld>
+  <p:clrMapOvr>
+    <a:masterClrMapping/>
+  </p:clrMapOvr>
 </p:sldLayout>
 </file>
 
 <file path=ppt/slideLayouts/slideLayout10.xml><?xml version="1.0" encoding="utf-8"?>
-<p:sldLayout xmlns:a="http://schemas.openxmlformats.org/drawingml/2006/main" xmlns:p="http://schemas.openxmlformats.org/presentationml/2006/main" xmlns:r="http://schemas.openxmlformats.org/officeDocument/2006/relationships" xmlns:p14="http://schemas.microsoft.com/office/powerpoint/2010/main" xmlns:p15="http://schemas.microsoft.com/office/powerpoint/2012/main" xmlns:mc="http://schemas.openxmlformats.org/markup-compatibility/2006" type="objOverTx" preserve="1">
+<p:sldLayout xmlns:a="http://schemas.openxmlformats.org/drawingml/2006/main" xmlns:r="http://schemas.openxmlformats.org/officeDocument/2006/relationships" xmlns:p="http://schemas.openxmlformats.org/presentationml/2006/main" type="objOverTx" preserve="1">
   <p:cSld name="Title, Content over Content">
     <p:spTree>
       <p:nvGrpSpPr>
@@ -76,13 +175,14 @@
           </a:prstGeom>
         </p:spPr>
         <p:txBody>
-          <a:bodyPr lIns="0" rIns="0" tIns="0" bIns="0" anchor="ctr">
+          <a:bodyPr lIns="0" tIns="0" rIns="0" bIns="0" anchor="ctr">
             <a:noAutofit/>
           </a:bodyPr>
-          <a:p>
-            <a:endParaRPr b="0" lang="en-IN" sz="4400" spc="-1" strike="noStrike">
+          <a:lstStyle/>
+          <a:p>
+            <a:endParaRPr lang="en-IN" sz="4400" b="0" strike="noStrike" spc="-1">
               <a:solidFill>
-                <a:srgbClr val="c7243a"/>
+                <a:srgbClr val="C7243A"/>
               </a:solidFill>
               <a:latin typeface="Arial"/>
             </a:endParaRPr>
@@ -109,11 +209,12 @@
           </a:prstGeom>
         </p:spPr>
         <p:txBody>
-          <a:bodyPr lIns="0" rIns="0" tIns="0" bIns="0">
+          <a:bodyPr lIns="0" tIns="0" rIns="0" bIns="0">
             <a:normAutofit/>
           </a:bodyPr>
-          <a:p>
-            <a:endParaRPr b="0" lang="en-IN" sz="3200" spc="-1" strike="noStrike">
+          <a:lstStyle/>
+          <a:p>
+            <a:endParaRPr lang="en-IN" sz="3200" b="0" strike="noStrike" spc="-1">
               <a:latin typeface="Arial"/>
             </a:endParaRPr>
           </a:p>
@@ -139,11 +240,12 @@
           </a:prstGeom>
         </p:spPr>
         <p:txBody>
-          <a:bodyPr lIns="0" rIns="0" tIns="0" bIns="0">
+          <a:bodyPr lIns="0" tIns="0" rIns="0" bIns="0">
             <a:normAutofit/>
           </a:bodyPr>
-          <a:p>
-            <a:endParaRPr b="0" lang="en-IN" sz="3200" spc="-1" strike="noStrike">
+          <a:lstStyle/>
+          <a:p>
+            <a:endParaRPr lang="en-IN" sz="3200" b="0" strike="noStrike" spc="-1">
               <a:latin typeface="Arial"/>
             </a:endParaRPr>
           </a:p>
@@ -151,11 +253,14 @@
       </p:sp>
     </p:spTree>
   </p:cSld>
+  <p:clrMapOvr>
+    <a:masterClrMapping/>
+  </p:clrMapOvr>
 </p:sldLayout>
 </file>
 
 <file path=ppt/slideLayouts/slideLayout11.xml><?xml version="1.0" encoding="utf-8"?>
-<p:sldLayout xmlns:a="http://schemas.openxmlformats.org/drawingml/2006/main" xmlns:p="http://schemas.openxmlformats.org/presentationml/2006/main" xmlns:r="http://schemas.openxmlformats.org/officeDocument/2006/relationships" xmlns:p14="http://schemas.microsoft.com/office/powerpoint/2010/main" xmlns:p15="http://schemas.microsoft.com/office/powerpoint/2012/main" xmlns:mc="http://schemas.openxmlformats.org/markup-compatibility/2006" type="fourObj" preserve="1">
+<p:sldLayout xmlns:a="http://schemas.openxmlformats.org/drawingml/2006/main" xmlns:r="http://schemas.openxmlformats.org/officeDocument/2006/relationships" xmlns:p="http://schemas.openxmlformats.org/presentationml/2006/main" type="fourObj" preserve="1">
   <p:cSld name="Title, 4 Content">
     <p:spTree>
       <p:nvGrpSpPr>
@@ -191,13 +296,14 @@
           </a:prstGeom>
         </p:spPr>
         <p:txBody>
-          <a:bodyPr lIns="0" rIns="0" tIns="0" bIns="0" anchor="ctr">
+          <a:bodyPr lIns="0" tIns="0" rIns="0" bIns="0" anchor="ctr">
             <a:noAutofit/>
           </a:bodyPr>
-          <a:p>
-            <a:endParaRPr b="0" lang="en-IN" sz="4400" spc="-1" strike="noStrike">
+          <a:lstStyle/>
+          <a:p>
+            <a:endParaRPr lang="en-IN" sz="4400" b="0" strike="noStrike" spc="-1">
               <a:solidFill>
-                <a:srgbClr val="c7243a"/>
+                <a:srgbClr val="C7243A"/>
               </a:solidFill>
               <a:latin typeface="Arial"/>
             </a:endParaRPr>
@@ -224,11 +330,12 @@
           </a:prstGeom>
         </p:spPr>
         <p:txBody>
-          <a:bodyPr lIns="0" rIns="0" tIns="0" bIns="0">
+          <a:bodyPr lIns="0" tIns="0" rIns="0" bIns="0">
             <a:normAutofit/>
           </a:bodyPr>
-          <a:p>
-            <a:endParaRPr b="0" lang="en-IN" sz="3200" spc="-1" strike="noStrike">
+          <a:lstStyle/>
+          <a:p>
+            <a:endParaRPr lang="en-IN" sz="3200" b="0" strike="noStrike" spc="-1">
               <a:latin typeface="Arial"/>
             </a:endParaRPr>
           </a:p>
@@ -254,11 +361,12 @@
           </a:prstGeom>
         </p:spPr>
         <p:txBody>
-          <a:bodyPr lIns="0" rIns="0" tIns="0" bIns="0">
+          <a:bodyPr lIns="0" tIns="0" rIns="0" bIns="0">
             <a:normAutofit/>
           </a:bodyPr>
-          <a:p>
-            <a:endParaRPr b="0" lang="en-IN" sz="3200" spc="-1" strike="noStrike">
+          <a:lstStyle/>
+          <a:p>
+            <a:endParaRPr lang="en-IN" sz="3200" b="0" strike="noStrike" spc="-1">
               <a:latin typeface="Arial"/>
             </a:endParaRPr>
           </a:p>
@@ -284,11 +392,12 @@
           </a:prstGeom>
         </p:spPr>
         <p:txBody>
-          <a:bodyPr lIns="0" rIns="0" tIns="0" bIns="0">
+          <a:bodyPr lIns="0" tIns="0" rIns="0" bIns="0">
             <a:normAutofit/>
           </a:bodyPr>
-          <a:p>
-            <a:endParaRPr b="0" lang="en-IN" sz="3200" spc="-1" strike="noStrike">
+          <a:lstStyle/>
+          <a:p>
+            <a:endParaRPr lang="en-IN" sz="3200" b="0" strike="noStrike" spc="-1">
               <a:latin typeface="Arial"/>
             </a:endParaRPr>
           </a:p>
@@ -314,11 +423,12 @@
           </a:prstGeom>
         </p:spPr>
         <p:txBody>
-          <a:bodyPr lIns="0" rIns="0" tIns="0" bIns="0">
+          <a:bodyPr lIns="0" tIns="0" rIns="0" bIns="0">
             <a:normAutofit/>
           </a:bodyPr>
-          <a:p>
-            <a:endParaRPr b="0" lang="en-IN" sz="3200" spc="-1" strike="noStrike">
+          <a:lstStyle/>
+          <a:p>
+            <a:endParaRPr lang="en-IN" sz="3200" b="0" strike="noStrike" spc="-1">
               <a:latin typeface="Arial"/>
             </a:endParaRPr>
           </a:p>
@@ -326,11 +436,14 @@
       </p:sp>
     </p:spTree>
   </p:cSld>
+  <p:clrMapOvr>
+    <a:masterClrMapping/>
+  </p:clrMapOvr>
 </p:sldLayout>
 </file>
 
 <file path=ppt/slideLayouts/slideLayout12.xml><?xml version="1.0" encoding="utf-8"?>
-<p:sldLayout xmlns:a="http://schemas.openxmlformats.org/drawingml/2006/main" xmlns:p="http://schemas.openxmlformats.org/presentationml/2006/main" xmlns:r="http://schemas.openxmlformats.org/officeDocument/2006/relationships" xmlns:p14="http://schemas.microsoft.com/office/powerpoint/2010/main" xmlns:p15="http://schemas.microsoft.com/office/powerpoint/2012/main" xmlns:mc="http://schemas.openxmlformats.org/markup-compatibility/2006" type="blank" preserve="1">
+<p:sldLayout xmlns:a="http://schemas.openxmlformats.org/drawingml/2006/main" xmlns:r="http://schemas.openxmlformats.org/officeDocument/2006/relationships" xmlns:p="http://schemas.openxmlformats.org/presentationml/2006/main" type="blank" preserve="1">
   <p:cSld name="Title, 6 Content">
     <p:spTree>
       <p:nvGrpSpPr>
@@ -366,13 +479,14 @@
           </a:prstGeom>
         </p:spPr>
         <p:txBody>
-          <a:bodyPr lIns="0" rIns="0" tIns="0" bIns="0" anchor="ctr">
+          <a:bodyPr lIns="0" tIns="0" rIns="0" bIns="0" anchor="ctr">
             <a:noAutofit/>
           </a:bodyPr>
-          <a:p>
-            <a:endParaRPr b="0" lang="en-IN" sz="4400" spc="-1" strike="noStrike">
+          <a:lstStyle/>
+          <a:p>
+            <a:endParaRPr lang="en-IN" sz="4400" b="0" strike="noStrike" spc="-1">
               <a:solidFill>
-                <a:srgbClr val="c7243a"/>
+                <a:srgbClr val="C7243A"/>
               </a:solidFill>
               <a:latin typeface="Arial"/>
             </a:endParaRPr>
@@ -399,11 +513,12 @@
           </a:prstGeom>
         </p:spPr>
         <p:txBody>
-          <a:bodyPr lIns="0" rIns="0" tIns="0" bIns="0">
+          <a:bodyPr lIns="0" tIns="0" rIns="0" bIns="0">
             <a:normAutofit/>
           </a:bodyPr>
-          <a:p>
-            <a:endParaRPr b="0" lang="en-IN" sz="3200" spc="-1" strike="noStrike">
+          <a:lstStyle/>
+          <a:p>
+            <a:endParaRPr lang="en-IN" sz="3200" b="0" strike="noStrike" spc="-1">
               <a:latin typeface="Arial"/>
             </a:endParaRPr>
           </a:p>
@@ -429,11 +544,12 @@
           </a:prstGeom>
         </p:spPr>
         <p:txBody>
-          <a:bodyPr lIns="0" rIns="0" tIns="0" bIns="0">
+          <a:bodyPr lIns="0" tIns="0" rIns="0" bIns="0">
             <a:normAutofit/>
           </a:bodyPr>
-          <a:p>
-            <a:endParaRPr b="0" lang="en-IN" sz="3200" spc="-1" strike="noStrike">
+          <a:lstStyle/>
+          <a:p>
+            <a:endParaRPr lang="en-IN" sz="3200" b="0" strike="noStrike" spc="-1">
               <a:latin typeface="Arial"/>
             </a:endParaRPr>
           </a:p>
@@ -459,11 +575,12 @@
           </a:prstGeom>
         </p:spPr>
         <p:txBody>
-          <a:bodyPr lIns="0" rIns="0" tIns="0" bIns="0">
+          <a:bodyPr lIns="0" tIns="0" rIns="0" bIns="0">
             <a:normAutofit/>
           </a:bodyPr>
-          <a:p>
-            <a:endParaRPr b="0" lang="en-IN" sz="3200" spc="-1" strike="noStrike">
+          <a:lstStyle/>
+          <a:p>
+            <a:endParaRPr lang="en-IN" sz="3200" b="0" strike="noStrike" spc="-1">
               <a:latin typeface="Arial"/>
             </a:endParaRPr>
           </a:p>
@@ -489,11 +606,12 @@
           </a:prstGeom>
         </p:spPr>
         <p:txBody>
-          <a:bodyPr lIns="0" rIns="0" tIns="0" bIns="0">
+          <a:bodyPr lIns="0" tIns="0" rIns="0" bIns="0">
             <a:normAutofit/>
           </a:bodyPr>
-          <a:p>
-            <a:endParaRPr b="0" lang="en-IN" sz="3200" spc="-1" strike="noStrike">
+          <a:lstStyle/>
+          <a:p>
+            <a:endParaRPr lang="en-IN" sz="3200" b="0" strike="noStrike" spc="-1">
               <a:latin typeface="Arial"/>
             </a:endParaRPr>
           </a:p>
@@ -519,11 +637,12 @@
           </a:prstGeom>
         </p:spPr>
         <p:txBody>
-          <a:bodyPr lIns="0" rIns="0" tIns="0" bIns="0">
+          <a:bodyPr lIns="0" tIns="0" rIns="0" bIns="0">
             <a:normAutofit/>
           </a:bodyPr>
-          <a:p>
-            <a:endParaRPr b="0" lang="en-IN" sz="3200" spc="-1" strike="noStrike">
+          <a:lstStyle/>
+          <a:p>
+            <a:endParaRPr lang="en-IN" sz="3200" b="0" strike="noStrike" spc="-1">
               <a:latin typeface="Arial"/>
             </a:endParaRPr>
           </a:p>
@@ -549,11 +668,12 @@
           </a:prstGeom>
         </p:spPr>
         <p:txBody>
-          <a:bodyPr lIns="0" rIns="0" tIns="0" bIns="0">
+          <a:bodyPr lIns="0" tIns="0" rIns="0" bIns="0">
             <a:normAutofit/>
           </a:bodyPr>
-          <a:p>
-            <a:endParaRPr b="0" lang="en-IN" sz="3200" spc="-1" strike="noStrike">
+          <a:lstStyle/>
+          <a:p>
+            <a:endParaRPr lang="en-IN" sz="3200" b="0" strike="noStrike" spc="-1">
               <a:latin typeface="Arial"/>
             </a:endParaRPr>
           </a:p>
@@ -561,11 +681,14 @@
       </p:sp>
     </p:spTree>
   </p:cSld>
+  <p:clrMapOvr>
+    <a:masterClrMapping/>
+  </p:clrMapOvr>
 </p:sldLayout>
 </file>
 
 <file path=ppt/slideLayouts/slideLayout13.xml><?xml version="1.0" encoding="utf-8"?>
-<p:sldLayout xmlns:a="http://schemas.openxmlformats.org/drawingml/2006/main" xmlns:p="http://schemas.openxmlformats.org/presentationml/2006/main" xmlns:r="http://schemas.openxmlformats.org/officeDocument/2006/relationships" xmlns:p14="http://schemas.microsoft.com/office/powerpoint/2010/main" xmlns:p15="http://schemas.microsoft.com/office/powerpoint/2012/main" xmlns:mc="http://schemas.openxmlformats.org/markup-compatibility/2006" type="blank" preserve="1">
+<p:sldLayout xmlns:a="http://schemas.openxmlformats.org/drawingml/2006/main" xmlns:r="http://schemas.openxmlformats.org/officeDocument/2006/relationships" xmlns:p="http://schemas.openxmlformats.org/presentationml/2006/main" type="blank" preserve="1">
   <p:cSld name="Blank Slide">
     <p:spTree>
       <p:nvGrpSpPr>
@@ -583,11 +706,14 @@
       </p:grpSpPr>
     </p:spTree>
   </p:cSld>
+  <p:clrMapOvr>
+    <a:masterClrMapping/>
+  </p:clrMapOvr>
 </p:sldLayout>
 </file>
 
 <file path=ppt/slideLayouts/slideLayout14.xml><?xml version="1.0" encoding="utf-8"?>
-<p:sldLayout xmlns:a="http://schemas.openxmlformats.org/drawingml/2006/main" xmlns:p="http://schemas.openxmlformats.org/presentationml/2006/main" xmlns:r="http://schemas.openxmlformats.org/officeDocument/2006/relationships" xmlns:p14="http://schemas.microsoft.com/office/powerpoint/2010/main" xmlns:p15="http://schemas.microsoft.com/office/powerpoint/2012/main" xmlns:mc="http://schemas.openxmlformats.org/markup-compatibility/2006" type="tx" preserve="1">
+<p:sldLayout xmlns:a="http://schemas.openxmlformats.org/drawingml/2006/main" xmlns:r="http://schemas.openxmlformats.org/officeDocument/2006/relationships" xmlns:p="http://schemas.openxmlformats.org/presentationml/2006/main" type="tx" preserve="1">
   <p:cSld name="Title Slide">
     <p:spTree>
       <p:nvGrpSpPr>
@@ -623,13 +749,14 @@
           </a:prstGeom>
         </p:spPr>
         <p:txBody>
-          <a:bodyPr lIns="0" rIns="0" tIns="0" bIns="0" anchor="ctr">
+          <a:bodyPr lIns="0" tIns="0" rIns="0" bIns="0" anchor="ctr">
             <a:noAutofit/>
           </a:bodyPr>
-          <a:p>
-            <a:endParaRPr b="0" lang="en-IN" sz="4400" spc="-1" strike="noStrike">
+          <a:lstStyle/>
+          <a:p>
+            <a:endParaRPr lang="en-IN" sz="4400" b="0" strike="noStrike" spc="-1">
               <a:solidFill>
-                <a:srgbClr val="c7243a"/>
+                <a:srgbClr val="C7243A"/>
               </a:solidFill>
               <a:latin typeface="Arial"/>
             </a:endParaRPr>
@@ -656,12 +783,13 @@
           </a:prstGeom>
         </p:spPr>
         <p:txBody>
-          <a:bodyPr lIns="0" rIns="0" tIns="0" bIns="0" anchor="ctr">
+          <a:bodyPr lIns="0" tIns="0" rIns="0" bIns="0" anchor="ctr">
             <a:noAutofit/>
           </a:bodyPr>
+          <a:lstStyle/>
           <a:p>
             <a:pPr algn="ctr"/>
-            <a:endParaRPr b="0" lang="en-IN" sz="3200" spc="-1" strike="noStrike">
+            <a:endParaRPr lang="en-IN" sz="3200" b="0" strike="noStrike" spc="-1">
               <a:latin typeface="Arial"/>
             </a:endParaRPr>
           </a:p>
@@ -669,11 +797,14 @@
       </p:sp>
     </p:spTree>
   </p:cSld>
+  <p:clrMapOvr>
+    <a:masterClrMapping/>
+  </p:clrMapOvr>
 </p:sldLayout>
 </file>
 
 <file path=ppt/slideLayouts/slideLayout15.xml><?xml version="1.0" encoding="utf-8"?>
-<p:sldLayout xmlns:a="http://schemas.openxmlformats.org/drawingml/2006/main" xmlns:p="http://schemas.openxmlformats.org/presentationml/2006/main" xmlns:r="http://schemas.openxmlformats.org/officeDocument/2006/relationships" xmlns:p14="http://schemas.microsoft.com/office/powerpoint/2010/main" xmlns:p15="http://schemas.microsoft.com/office/powerpoint/2012/main" xmlns:mc="http://schemas.openxmlformats.org/markup-compatibility/2006" type="obj" preserve="1">
+<p:sldLayout xmlns:a="http://schemas.openxmlformats.org/drawingml/2006/main" xmlns:r="http://schemas.openxmlformats.org/officeDocument/2006/relationships" xmlns:p="http://schemas.openxmlformats.org/presentationml/2006/main" type="obj" preserve="1">
   <p:cSld name="Title, Content">
     <p:spTree>
       <p:nvGrpSpPr>
@@ -709,13 +840,14 @@
           </a:prstGeom>
         </p:spPr>
         <p:txBody>
-          <a:bodyPr lIns="0" rIns="0" tIns="0" bIns="0" anchor="ctr">
+          <a:bodyPr lIns="0" tIns="0" rIns="0" bIns="0" anchor="ctr">
             <a:noAutofit/>
           </a:bodyPr>
-          <a:p>
-            <a:endParaRPr b="0" lang="en-IN" sz="4400" spc="-1" strike="noStrike">
+          <a:lstStyle/>
+          <a:p>
+            <a:endParaRPr lang="en-IN" sz="4400" b="0" strike="noStrike" spc="-1">
               <a:solidFill>
-                <a:srgbClr val="c7243a"/>
+                <a:srgbClr val="C7243A"/>
               </a:solidFill>
               <a:latin typeface="Arial"/>
             </a:endParaRPr>
@@ -742,11 +874,12 @@
           </a:prstGeom>
         </p:spPr>
         <p:txBody>
-          <a:bodyPr lIns="0" rIns="0" tIns="0" bIns="0">
+          <a:bodyPr lIns="0" tIns="0" rIns="0" bIns="0">
             <a:normAutofit/>
           </a:bodyPr>
-          <a:p>
-            <a:endParaRPr b="0" lang="en-IN" sz="3200" spc="-1" strike="noStrike">
+          <a:lstStyle/>
+          <a:p>
+            <a:endParaRPr lang="en-IN" sz="3200" b="0" strike="noStrike" spc="-1">
               <a:latin typeface="Arial"/>
             </a:endParaRPr>
           </a:p>
@@ -754,11 +887,14 @@
       </p:sp>
     </p:spTree>
   </p:cSld>
+  <p:clrMapOvr>
+    <a:masterClrMapping/>
+  </p:clrMapOvr>
 </p:sldLayout>
 </file>
 
 <file path=ppt/slideLayouts/slideLayout16.xml><?xml version="1.0" encoding="utf-8"?>
-<p:sldLayout xmlns:a="http://schemas.openxmlformats.org/drawingml/2006/main" xmlns:p="http://schemas.openxmlformats.org/presentationml/2006/main" xmlns:r="http://schemas.openxmlformats.org/officeDocument/2006/relationships" xmlns:p14="http://schemas.microsoft.com/office/powerpoint/2010/main" xmlns:p15="http://schemas.microsoft.com/office/powerpoint/2012/main" xmlns:mc="http://schemas.openxmlformats.org/markup-compatibility/2006" type="twoObj" preserve="1">
+<p:sldLayout xmlns:a="http://schemas.openxmlformats.org/drawingml/2006/main" xmlns:r="http://schemas.openxmlformats.org/officeDocument/2006/relationships" xmlns:p="http://schemas.openxmlformats.org/presentationml/2006/main" type="twoObj" preserve="1">
   <p:cSld name="Title, 2 Content">
     <p:spTree>
       <p:nvGrpSpPr>
@@ -794,13 +930,14 @@
           </a:prstGeom>
         </p:spPr>
         <p:txBody>
-          <a:bodyPr lIns="0" rIns="0" tIns="0" bIns="0" anchor="ctr">
+          <a:bodyPr lIns="0" tIns="0" rIns="0" bIns="0" anchor="ctr">
             <a:noAutofit/>
           </a:bodyPr>
-          <a:p>
-            <a:endParaRPr b="0" lang="en-IN" sz="4400" spc="-1" strike="noStrike">
+          <a:lstStyle/>
+          <a:p>
+            <a:endParaRPr lang="en-IN" sz="4400" b="0" strike="noStrike" spc="-1">
               <a:solidFill>
-                <a:srgbClr val="c7243a"/>
+                <a:srgbClr val="C7243A"/>
               </a:solidFill>
               <a:latin typeface="Arial"/>
             </a:endParaRPr>
@@ -827,11 +964,12 @@
           </a:prstGeom>
         </p:spPr>
         <p:txBody>
-          <a:bodyPr lIns="0" rIns="0" tIns="0" bIns="0">
+          <a:bodyPr lIns="0" tIns="0" rIns="0" bIns="0">
             <a:normAutofit/>
           </a:bodyPr>
-          <a:p>
-            <a:endParaRPr b="0" lang="en-IN" sz="3200" spc="-1" strike="noStrike">
+          <a:lstStyle/>
+          <a:p>
+            <a:endParaRPr lang="en-IN" sz="3200" b="0" strike="noStrike" spc="-1">
               <a:latin typeface="Arial"/>
             </a:endParaRPr>
           </a:p>
@@ -857,11 +995,12 @@
           </a:prstGeom>
         </p:spPr>
         <p:txBody>
-          <a:bodyPr lIns="0" rIns="0" tIns="0" bIns="0">
+          <a:bodyPr lIns="0" tIns="0" rIns="0" bIns="0">
             <a:normAutofit/>
           </a:bodyPr>
-          <a:p>
-            <a:endParaRPr b="0" lang="en-IN" sz="3200" spc="-1" strike="noStrike">
+          <a:lstStyle/>
+          <a:p>
+            <a:endParaRPr lang="en-IN" sz="3200" b="0" strike="noStrike" spc="-1">
               <a:latin typeface="Arial"/>
             </a:endParaRPr>
           </a:p>
@@ -869,11 +1008,14 @@
       </p:sp>
     </p:spTree>
   </p:cSld>
+  <p:clrMapOvr>
+    <a:masterClrMapping/>
+  </p:clrMapOvr>
 </p:sldLayout>
 </file>
 
 <file path=ppt/slideLayouts/slideLayout17.xml><?xml version="1.0" encoding="utf-8"?>
-<p:sldLayout xmlns:a="http://schemas.openxmlformats.org/drawingml/2006/main" xmlns:p="http://schemas.openxmlformats.org/presentationml/2006/main" xmlns:r="http://schemas.openxmlformats.org/officeDocument/2006/relationships" xmlns:p14="http://schemas.microsoft.com/office/powerpoint/2010/main" xmlns:p15="http://schemas.microsoft.com/office/powerpoint/2012/main" xmlns:mc="http://schemas.openxmlformats.org/markup-compatibility/2006" type="titleOnly" preserve="1">
+<p:sldLayout xmlns:a="http://schemas.openxmlformats.org/drawingml/2006/main" xmlns:r="http://schemas.openxmlformats.org/officeDocument/2006/relationships" xmlns:p="http://schemas.openxmlformats.org/presentationml/2006/main" type="titleOnly" preserve="1">
   <p:cSld name="Title Only">
     <p:spTree>
       <p:nvGrpSpPr>
@@ -909,13 +1051,14 @@
           </a:prstGeom>
         </p:spPr>
         <p:txBody>
-          <a:bodyPr lIns="0" rIns="0" tIns="0" bIns="0" anchor="ctr">
+          <a:bodyPr lIns="0" tIns="0" rIns="0" bIns="0" anchor="ctr">
             <a:noAutofit/>
           </a:bodyPr>
-          <a:p>
-            <a:endParaRPr b="0" lang="en-IN" sz="4400" spc="-1" strike="noStrike">
+          <a:lstStyle/>
+          <a:p>
+            <a:endParaRPr lang="en-IN" sz="4400" b="0" strike="noStrike" spc="-1">
               <a:solidFill>
-                <a:srgbClr val="c7243a"/>
+                <a:srgbClr val="C7243A"/>
               </a:solidFill>
               <a:latin typeface="Arial"/>
             </a:endParaRPr>
@@ -924,11 +1067,14 @@
       </p:sp>
     </p:spTree>
   </p:cSld>
+  <p:clrMapOvr>
+    <a:masterClrMapping/>
+  </p:clrMapOvr>
 </p:sldLayout>
 </file>
 
 <file path=ppt/slideLayouts/slideLayout18.xml><?xml version="1.0" encoding="utf-8"?>
-<p:sldLayout xmlns:a="http://schemas.openxmlformats.org/drawingml/2006/main" xmlns:p="http://schemas.openxmlformats.org/presentationml/2006/main" xmlns:r="http://schemas.openxmlformats.org/officeDocument/2006/relationships" xmlns:p14="http://schemas.microsoft.com/office/powerpoint/2010/main" xmlns:p15="http://schemas.microsoft.com/office/powerpoint/2012/main" xmlns:mc="http://schemas.openxmlformats.org/markup-compatibility/2006" type="objOnly" preserve="1">
+<p:sldLayout xmlns:a="http://schemas.openxmlformats.org/drawingml/2006/main" xmlns:r="http://schemas.openxmlformats.org/officeDocument/2006/relationships" xmlns:p="http://schemas.openxmlformats.org/presentationml/2006/main" type="objOnly" preserve="1">
   <p:cSld name="Centered Text">
     <p:spTree>
       <p:nvGrpSpPr>
@@ -964,12 +1110,13 @@
           </a:prstGeom>
         </p:spPr>
         <p:txBody>
-          <a:bodyPr lIns="0" rIns="0" tIns="0" bIns="0" anchor="ctr">
+          <a:bodyPr lIns="0" tIns="0" rIns="0" bIns="0" anchor="ctr">
             <a:noAutofit/>
           </a:bodyPr>
+          <a:lstStyle/>
           <a:p>
             <a:pPr algn="ctr"/>
-            <a:endParaRPr b="0" lang="en-IN" sz="3200" spc="-1" strike="noStrike">
+            <a:endParaRPr lang="en-IN" sz="3200" b="0" strike="noStrike" spc="-1">
               <a:latin typeface="Arial"/>
             </a:endParaRPr>
           </a:p>
@@ -977,11 +1124,14 @@
       </p:sp>
     </p:spTree>
   </p:cSld>
+  <p:clrMapOvr>
+    <a:masterClrMapping/>
+  </p:clrMapOvr>
 </p:sldLayout>
 </file>
 
 <file path=ppt/slideLayouts/slideLayout19.xml><?xml version="1.0" encoding="utf-8"?>
-<p:sldLayout xmlns:a="http://schemas.openxmlformats.org/drawingml/2006/main" xmlns:p="http://schemas.openxmlformats.org/presentationml/2006/main" xmlns:r="http://schemas.openxmlformats.org/officeDocument/2006/relationships" xmlns:p14="http://schemas.microsoft.com/office/powerpoint/2010/main" xmlns:p15="http://schemas.microsoft.com/office/powerpoint/2012/main" xmlns:mc="http://schemas.openxmlformats.org/markup-compatibility/2006" type="twoObjAndObj" preserve="1">
+<p:sldLayout xmlns:a="http://schemas.openxmlformats.org/drawingml/2006/main" xmlns:r="http://schemas.openxmlformats.org/officeDocument/2006/relationships" xmlns:p="http://schemas.openxmlformats.org/presentationml/2006/main" type="twoObjAndObj" preserve="1">
   <p:cSld name="Title, 2 Content and Content">
     <p:spTree>
       <p:nvGrpSpPr>
@@ -1017,13 +1167,14 @@
           </a:prstGeom>
         </p:spPr>
         <p:txBody>
-          <a:bodyPr lIns="0" rIns="0" tIns="0" bIns="0" anchor="ctr">
+          <a:bodyPr lIns="0" tIns="0" rIns="0" bIns="0" anchor="ctr">
             <a:noAutofit/>
           </a:bodyPr>
-          <a:p>
-            <a:endParaRPr b="0" lang="en-IN" sz="4400" spc="-1" strike="noStrike">
+          <a:lstStyle/>
+          <a:p>
+            <a:endParaRPr lang="en-IN" sz="4400" b="0" strike="noStrike" spc="-1">
               <a:solidFill>
-                <a:srgbClr val="c7243a"/>
+                <a:srgbClr val="C7243A"/>
               </a:solidFill>
               <a:latin typeface="Arial"/>
             </a:endParaRPr>
@@ -1050,11 +1201,12 @@
           </a:prstGeom>
         </p:spPr>
         <p:txBody>
-          <a:bodyPr lIns="0" rIns="0" tIns="0" bIns="0">
+          <a:bodyPr lIns="0" tIns="0" rIns="0" bIns="0">
             <a:normAutofit/>
           </a:bodyPr>
-          <a:p>
-            <a:endParaRPr b="0" lang="en-IN" sz="3200" spc="-1" strike="noStrike">
+          <a:lstStyle/>
+          <a:p>
+            <a:endParaRPr lang="en-IN" sz="3200" b="0" strike="noStrike" spc="-1">
               <a:latin typeface="Arial"/>
             </a:endParaRPr>
           </a:p>
@@ -1080,11 +1232,12 @@
           </a:prstGeom>
         </p:spPr>
         <p:txBody>
-          <a:bodyPr lIns="0" rIns="0" tIns="0" bIns="0">
+          <a:bodyPr lIns="0" tIns="0" rIns="0" bIns="0">
             <a:normAutofit/>
           </a:bodyPr>
-          <a:p>
-            <a:endParaRPr b="0" lang="en-IN" sz="3200" spc="-1" strike="noStrike">
+          <a:lstStyle/>
+          <a:p>
+            <a:endParaRPr lang="en-IN" sz="3200" b="0" strike="noStrike" spc="-1">
               <a:latin typeface="Arial"/>
             </a:endParaRPr>
           </a:p>
@@ -1110,11 +1263,12 @@
           </a:prstGeom>
         </p:spPr>
         <p:txBody>
-          <a:bodyPr lIns="0" rIns="0" tIns="0" bIns="0">
+          <a:bodyPr lIns="0" tIns="0" rIns="0" bIns="0">
             <a:normAutofit/>
           </a:bodyPr>
-          <a:p>
-            <a:endParaRPr b="0" lang="en-IN" sz="3200" spc="-1" strike="noStrike">
+          <a:lstStyle/>
+          <a:p>
+            <a:endParaRPr lang="en-IN" sz="3200" b="0" strike="noStrike" spc="-1">
               <a:latin typeface="Arial"/>
             </a:endParaRPr>
           </a:p>
@@ -1122,11 +1276,14 @@
       </p:sp>
     </p:spTree>
   </p:cSld>
+  <p:clrMapOvr>
+    <a:masterClrMapping/>
+  </p:clrMapOvr>
 </p:sldLayout>
 </file>
 
 <file path=ppt/slideLayouts/slideLayout2.xml><?xml version="1.0" encoding="utf-8"?>
-<p:sldLayout xmlns:a="http://schemas.openxmlformats.org/drawingml/2006/main" xmlns:p="http://schemas.openxmlformats.org/presentationml/2006/main" xmlns:r="http://schemas.openxmlformats.org/officeDocument/2006/relationships" xmlns:p14="http://schemas.microsoft.com/office/powerpoint/2010/main" xmlns:p15="http://schemas.microsoft.com/office/powerpoint/2012/main" xmlns:mc="http://schemas.openxmlformats.org/markup-compatibility/2006" type="tx" preserve="1">
+<p:sldLayout xmlns:a="http://schemas.openxmlformats.org/drawingml/2006/main" xmlns:r="http://schemas.openxmlformats.org/officeDocument/2006/relationships" xmlns:p="http://schemas.openxmlformats.org/presentationml/2006/main" type="tx" preserve="1">
   <p:cSld name="Title Slide">
     <p:spTree>
       <p:nvGrpSpPr>
@@ -1162,13 +1319,14 @@
           </a:prstGeom>
         </p:spPr>
         <p:txBody>
-          <a:bodyPr lIns="0" rIns="0" tIns="0" bIns="0" anchor="ctr">
+          <a:bodyPr lIns="0" tIns="0" rIns="0" bIns="0" anchor="ctr">
             <a:noAutofit/>
           </a:bodyPr>
-          <a:p>
-            <a:endParaRPr b="0" lang="en-IN" sz="4400" spc="-1" strike="noStrike">
+          <a:lstStyle/>
+          <a:p>
+            <a:endParaRPr lang="en-IN" sz="4400" b="0" strike="noStrike" spc="-1">
               <a:solidFill>
-                <a:srgbClr val="c7243a"/>
+                <a:srgbClr val="C7243A"/>
               </a:solidFill>
               <a:latin typeface="Arial"/>
             </a:endParaRPr>
@@ -1195,12 +1353,13 @@
           </a:prstGeom>
         </p:spPr>
         <p:txBody>
-          <a:bodyPr lIns="0" rIns="0" tIns="0" bIns="0" anchor="ctr">
+          <a:bodyPr lIns="0" tIns="0" rIns="0" bIns="0" anchor="ctr">
             <a:noAutofit/>
           </a:bodyPr>
+          <a:lstStyle/>
           <a:p>
             <a:pPr algn="ctr"/>
-            <a:endParaRPr b="0" lang="en-IN" sz="3200" spc="-1" strike="noStrike">
+            <a:endParaRPr lang="en-IN" sz="3200" b="0" strike="noStrike" spc="-1">
               <a:latin typeface="Arial"/>
             </a:endParaRPr>
           </a:p>
@@ -1208,11 +1367,14 @@
       </p:sp>
     </p:spTree>
   </p:cSld>
+  <p:clrMapOvr>
+    <a:masterClrMapping/>
+  </p:clrMapOvr>
 </p:sldLayout>
 </file>
 
 <file path=ppt/slideLayouts/slideLayout20.xml><?xml version="1.0" encoding="utf-8"?>
-<p:sldLayout xmlns:a="http://schemas.openxmlformats.org/drawingml/2006/main" xmlns:p="http://schemas.openxmlformats.org/presentationml/2006/main" xmlns:r="http://schemas.openxmlformats.org/officeDocument/2006/relationships" xmlns:p14="http://schemas.microsoft.com/office/powerpoint/2010/main" xmlns:p15="http://schemas.microsoft.com/office/powerpoint/2012/main" xmlns:mc="http://schemas.openxmlformats.org/markup-compatibility/2006" type="objAndTwoObj" preserve="1">
+<p:sldLayout xmlns:a="http://schemas.openxmlformats.org/drawingml/2006/main" xmlns:r="http://schemas.openxmlformats.org/officeDocument/2006/relationships" xmlns:p="http://schemas.openxmlformats.org/presentationml/2006/main" type="objAndTwoObj" preserve="1">
   <p:cSld name="Title Content and 2 Content">
     <p:spTree>
       <p:nvGrpSpPr>
@@ -1248,13 +1410,14 @@
           </a:prstGeom>
         </p:spPr>
         <p:txBody>
-          <a:bodyPr lIns="0" rIns="0" tIns="0" bIns="0" anchor="ctr">
+          <a:bodyPr lIns="0" tIns="0" rIns="0" bIns="0" anchor="ctr">
             <a:noAutofit/>
           </a:bodyPr>
-          <a:p>
-            <a:endParaRPr b="0" lang="en-IN" sz="4400" spc="-1" strike="noStrike">
+          <a:lstStyle/>
+          <a:p>
+            <a:endParaRPr lang="en-IN" sz="4400" b="0" strike="noStrike" spc="-1">
               <a:solidFill>
-                <a:srgbClr val="c7243a"/>
+                <a:srgbClr val="C7243A"/>
               </a:solidFill>
               <a:latin typeface="Arial"/>
             </a:endParaRPr>
@@ -1281,11 +1444,12 @@
           </a:prstGeom>
         </p:spPr>
         <p:txBody>
-          <a:bodyPr lIns="0" rIns="0" tIns="0" bIns="0">
+          <a:bodyPr lIns="0" tIns="0" rIns="0" bIns="0">
             <a:normAutofit/>
           </a:bodyPr>
-          <a:p>
-            <a:endParaRPr b="0" lang="en-IN" sz="3200" spc="-1" strike="noStrike">
+          <a:lstStyle/>
+          <a:p>
+            <a:endParaRPr lang="en-IN" sz="3200" b="0" strike="noStrike" spc="-1">
               <a:latin typeface="Arial"/>
             </a:endParaRPr>
           </a:p>
@@ -1311,11 +1475,12 @@
           </a:prstGeom>
         </p:spPr>
         <p:txBody>
-          <a:bodyPr lIns="0" rIns="0" tIns="0" bIns="0">
+          <a:bodyPr lIns="0" tIns="0" rIns="0" bIns="0">
             <a:normAutofit/>
           </a:bodyPr>
-          <a:p>
-            <a:endParaRPr b="0" lang="en-IN" sz="3200" spc="-1" strike="noStrike">
+          <a:lstStyle/>
+          <a:p>
+            <a:endParaRPr lang="en-IN" sz="3200" b="0" strike="noStrike" spc="-1">
               <a:latin typeface="Arial"/>
             </a:endParaRPr>
           </a:p>
@@ -1341,11 +1506,12 @@
           </a:prstGeom>
         </p:spPr>
         <p:txBody>
-          <a:bodyPr lIns="0" rIns="0" tIns="0" bIns="0">
+          <a:bodyPr lIns="0" tIns="0" rIns="0" bIns="0">
             <a:normAutofit/>
           </a:bodyPr>
-          <a:p>
-            <a:endParaRPr b="0" lang="en-IN" sz="3200" spc="-1" strike="noStrike">
+          <a:lstStyle/>
+          <a:p>
+            <a:endParaRPr lang="en-IN" sz="3200" b="0" strike="noStrike" spc="-1">
               <a:latin typeface="Arial"/>
             </a:endParaRPr>
           </a:p>
@@ -1353,11 +1519,14 @@
       </p:sp>
     </p:spTree>
   </p:cSld>
+  <p:clrMapOvr>
+    <a:masterClrMapping/>
+  </p:clrMapOvr>
 </p:sldLayout>
 </file>
 
 <file path=ppt/slideLayouts/slideLayout21.xml><?xml version="1.0" encoding="utf-8"?>
-<p:sldLayout xmlns:a="http://schemas.openxmlformats.org/drawingml/2006/main" xmlns:p="http://schemas.openxmlformats.org/presentationml/2006/main" xmlns:r="http://schemas.openxmlformats.org/officeDocument/2006/relationships" xmlns:p14="http://schemas.microsoft.com/office/powerpoint/2010/main" xmlns:p15="http://schemas.microsoft.com/office/powerpoint/2012/main" xmlns:mc="http://schemas.openxmlformats.org/markup-compatibility/2006" type="twoObjOverTx" preserve="1">
+<p:sldLayout xmlns:a="http://schemas.openxmlformats.org/drawingml/2006/main" xmlns:r="http://schemas.openxmlformats.org/officeDocument/2006/relationships" xmlns:p="http://schemas.openxmlformats.org/presentationml/2006/main" type="twoObjOverTx" preserve="1">
   <p:cSld name="Title, 2 Content over Content">
     <p:spTree>
       <p:nvGrpSpPr>
@@ -1393,13 +1562,14 @@
           </a:prstGeom>
         </p:spPr>
         <p:txBody>
-          <a:bodyPr lIns="0" rIns="0" tIns="0" bIns="0" anchor="ctr">
+          <a:bodyPr lIns="0" tIns="0" rIns="0" bIns="0" anchor="ctr">
             <a:noAutofit/>
           </a:bodyPr>
-          <a:p>
-            <a:endParaRPr b="0" lang="en-IN" sz="4400" spc="-1" strike="noStrike">
+          <a:lstStyle/>
+          <a:p>
+            <a:endParaRPr lang="en-IN" sz="4400" b="0" strike="noStrike" spc="-1">
               <a:solidFill>
-                <a:srgbClr val="c7243a"/>
+                <a:srgbClr val="C7243A"/>
               </a:solidFill>
               <a:latin typeface="Arial"/>
             </a:endParaRPr>
@@ -1426,11 +1596,12 @@
           </a:prstGeom>
         </p:spPr>
         <p:txBody>
-          <a:bodyPr lIns="0" rIns="0" tIns="0" bIns="0">
+          <a:bodyPr lIns="0" tIns="0" rIns="0" bIns="0">
             <a:normAutofit/>
           </a:bodyPr>
-          <a:p>
-            <a:endParaRPr b="0" lang="en-IN" sz="3200" spc="-1" strike="noStrike">
+          <a:lstStyle/>
+          <a:p>
+            <a:endParaRPr lang="en-IN" sz="3200" b="0" strike="noStrike" spc="-1">
               <a:latin typeface="Arial"/>
             </a:endParaRPr>
           </a:p>
@@ -1456,11 +1627,12 @@
           </a:prstGeom>
         </p:spPr>
         <p:txBody>
-          <a:bodyPr lIns="0" rIns="0" tIns="0" bIns="0">
+          <a:bodyPr lIns="0" tIns="0" rIns="0" bIns="0">
             <a:normAutofit/>
           </a:bodyPr>
-          <a:p>
-            <a:endParaRPr b="0" lang="en-IN" sz="3200" spc="-1" strike="noStrike">
+          <a:lstStyle/>
+          <a:p>
+            <a:endParaRPr lang="en-IN" sz="3200" b="0" strike="noStrike" spc="-1">
               <a:latin typeface="Arial"/>
             </a:endParaRPr>
           </a:p>
@@ -1486,11 +1658,12 @@
           </a:prstGeom>
         </p:spPr>
         <p:txBody>
-          <a:bodyPr lIns="0" rIns="0" tIns="0" bIns="0">
+          <a:bodyPr lIns="0" tIns="0" rIns="0" bIns="0">
             <a:normAutofit/>
           </a:bodyPr>
-          <a:p>
-            <a:endParaRPr b="0" lang="en-IN" sz="3200" spc="-1" strike="noStrike">
+          <a:lstStyle/>
+          <a:p>
+            <a:endParaRPr lang="en-IN" sz="3200" b="0" strike="noStrike" spc="-1">
               <a:latin typeface="Arial"/>
             </a:endParaRPr>
           </a:p>
@@ -1498,11 +1671,14 @@
       </p:sp>
     </p:spTree>
   </p:cSld>
+  <p:clrMapOvr>
+    <a:masterClrMapping/>
+  </p:clrMapOvr>
 </p:sldLayout>
 </file>
 
 <file path=ppt/slideLayouts/slideLayout22.xml><?xml version="1.0" encoding="utf-8"?>
-<p:sldLayout xmlns:a="http://schemas.openxmlformats.org/drawingml/2006/main" xmlns:p="http://schemas.openxmlformats.org/presentationml/2006/main" xmlns:r="http://schemas.openxmlformats.org/officeDocument/2006/relationships" xmlns:p14="http://schemas.microsoft.com/office/powerpoint/2010/main" xmlns:p15="http://schemas.microsoft.com/office/powerpoint/2012/main" xmlns:mc="http://schemas.openxmlformats.org/markup-compatibility/2006" type="objOverTx" preserve="1">
+<p:sldLayout xmlns:a="http://schemas.openxmlformats.org/drawingml/2006/main" xmlns:r="http://schemas.openxmlformats.org/officeDocument/2006/relationships" xmlns:p="http://schemas.openxmlformats.org/presentationml/2006/main" type="objOverTx" preserve="1">
   <p:cSld name="Title, Content over Content">
     <p:spTree>
       <p:nvGrpSpPr>
@@ -1538,13 +1714,14 @@
           </a:prstGeom>
         </p:spPr>
         <p:txBody>
-          <a:bodyPr lIns="0" rIns="0" tIns="0" bIns="0" anchor="ctr">
+          <a:bodyPr lIns="0" tIns="0" rIns="0" bIns="0" anchor="ctr">
             <a:noAutofit/>
           </a:bodyPr>
-          <a:p>
-            <a:endParaRPr b="0" lang="en-IN" sz="4400" spc="-1" strike="noStrike">
+          <a:lstStyle/>
+          <a:p>
+            <a:endParaRPr lang="en-IN" sz="4400" b="0" strike="noStrike" spc="-1">
               <a:solidFill>
-                <a:srgbClr val="c7243a"/>
+                <a:srgbClr val="C7243A"/>
               </a:solidFill>
               <a:latin typeface="Arial"/>
             </a:endParaRPr>
@@ -1571,11 +1748,12 @@
           </a:prstGeom>
         </p:spPr>
         <p:txBody>
-          <a:bodyPr lIns="0" rIns="0" tIns="0" bIns="0">
+          <a:bodyPr lIns="0" tIns="0" rIns="0" bIns="0">
             <a:normAutofit/>
           </a:bodyPr>
-          <a:p>
-            <a:endParaRPr b="0" lang="en-IN" sz="3200" spc="-1" strike="noStrike">
+          <a:lstStyle/>
+          <a:p>
+            <a:endParaRPr lang="en-IN" sz="3200" b="0" strike="noStrike" spc="-1">
               <a:latin typeface="Arial"/>
             </a:endParaRPr>
           </a:p>
@@ -1601,11 +1779,12 @@
           </a:prstGeom>
         </p:spPr>
         <p:txBody>
-          <a:bodyPr lIns="0" rIns="0" tIns="0" bIns="0">
+          <a:bodyPr lIns="0" tIns="0" rIns="0" bIns="0">
             <a:normAutofit/>
           </a:bodyPr>
-          <a:p>
-            <a:endParaRPr b="0" lang="en-IN" sz="3200" spc="-1" strike="noStrike">
+          <a:lstStyle/>
+          <a:p>
+            <a:endParaRPr lang="en-IN" sz="3200" b="0" strike="noStrike" spc="-1">
               <a:latin typeface="Arial"/>
             </a:endParaRPr>
           </a:p>
@@ -1613,11 +1792,14 @@
       </p:sp>
     </p:spTree>
   </p:cSld>
+  <p:clrMapOvr>
+    <a:masterClrMapping/>
+  </p:clrMapOvr>
 </p:sldLayout>
 </file>
 
 <file path=ppt/slideLayouts/slideLayout23.xml><?xml version="1.0" encoding="utf-8"?>
-<p:sldLayout xmlns:a="http://schemas.openxmlformats.org/drawingml/2006/main" xmlns:p="http://schemas.openxmlformats.org/presentationml/2006/main" xmlns:r="http://schemas.openxmlformats.org/officeDocument/2006/relationships" xmlns:p14="http://schemas.microsoft.com/office/powerpoint/2010/main" xmlns:p15="http://schemas.microsoft.com/office/powerpoint/2012/main" xmlns:mc="http://schemas.openxmlformats.org/markup-compatibility/2006" type="fourObj" preserve="1">
+<p:sldLayout xmlns:a="http://schemas.openxmlformats.org/drawingml/2006/main" xmlns:r="http://schemas.openxmlformats.org/officeDocument/2006/relationships" xmlns:p="http://schemas.openxmlformats.org/presentationml/2006/main" type="fourObj" preserve="1">
   <p:cSld name="Title, 4 Content">
     <p:spTree>
       <p:nvGrpSpPr>
@@ -1653,13 +1835,14 @@
           </a:prstGeom>
         </p:spPr>
         <p:txBody>
-          <a:bodyPr lIns="0" rIns="0" tIns="0" bIns="0" anchor="ctr">
+          <a:bodyPr lIns="0" tIns="0" rIns="0" bIns="0" anchor="ctr">
             <a:noAutofit/>
           </a:bodyPr>
-          <a:p>
-            <a:endParaRPr b="0" lang="en-IN" sz="4400" spc="-1" strike="noStrike">
+          <a:lstStyle/>
+          <a:p>
+            <a:endParaRPr lang="en-IN" sz="4400" b="0" strike="noStrike" spc="-1">
               <a:solidFill>
-                <a:srgbClr val="c7243a"/>
+                <a:srgbClr val="C7243A"/>
               </a:solidFill>
               <a:latin typeface="Arial"/>
             </a:endParaRPr>
@@ -1686,11 +1869,12 @@
           </a:prstGeom>
         </p:spPr>
         <p:txBody>
-          <a:bodyPr lIns="0" rIns="0" tIns="0" bIns="0">
+          <a:bodyPr lIns="0" tIns="0" rIns="0" bIns="0">
             <a:normAutofit/>
           </a:bodyPr>
-          <a:p>
-            <a:endParaRPr b="0" lang="en-IN" sz="3200" spc="-1" strike="noStrike">
+          <a:lstStyle/>
+          <a:p>
+            <a:endParaRPr lang="en-IN" sz="3200" b="0" strike="noStrike" spc="-1">
               <a:latin typeface="Arial"/>
             </a:endParaRPr>
           </a:p>
@@ -1716,11 +1900,12 @@
           </a:prstGeom>
         </p:spPr>
         <p:txBody>
-          <a:bodyPr lIns="0" rIns="0" tIns="0" bIns="0">
+          <a:bodyPr lIns="0" tIns="0" rIns="0" bIns="0">
             <a:normAutofit/>
           </a:bodyPr>
-          <a:p>
-            <a:endParaRPr b="0" lang="en-IN" sz="3200" spc="-1" strike="noStrike">
+          <a:lstStyle/>
+          <a:p>
+            <a:endParaRPr lang="en-IN" sz="3200" b="0" strike="noStrike" spc="-1">
               <a:latin typeface="Arial"/>
             </a:endParaRPr>
           </a:p>
@@ -1746,11 +1931,12 @@
           </a:prstGeom>
         </p:spPr>
         <p:txBody>
-          <a:bodyPr lIns="0" rIns="0" tIns="0" bIns="0">
+          <a:bodyPr lIns="0" tIns="0" rIns="0" bIns="0">
             <a:normAutofit/>
           </a:bodyPr>
-          <a:p>
-            <a:endParaRPr b="0" lang="en-IN" sz="3200" spc="-1" strike="noStrike">
+          <a:lstStyle/>
+          <a:p>
+            <a:endParaRPr lang="en-IN" sz="3200" b="0" strike="noStrike" spc="-1">
               <a:latin typeface="Arial"/>
             </a:endParaRPr>
           </a:p>
@@ -1776,11 +1962,12 @@
           </a:prstGeom>
         </p:spPr>
         <p:txBody>
-          <a:bodyPr lIns="0" rIns="0" tIns="0" bIns="0">
+          <a:bodyPr lIns="0" tIns="0" rIns="0" bIns="0">
             <a:normAutofit/>
           </a:bodyPr>
-          <a:p>
-            <a:endParaRPr b="0" lang="en-IN" sz="3200" spc="-1" strike="noStrike">
+          <a:lstStyle/>
+          <a:p>
+            <a:endParaRPr lang="en-IN" sz="3200" b="0" strike="noStrike" spc="-1">
               <a:latin typeface="Arial"/>
             </a:endParaRPr>
           </a:p>
@@ -1788,11 +1975,14 @@
       </p:sp>
     </p:spTree>
   </p:cSld>
+  <p:clrMapOvr>
+    <a:masterClrMapping/>
+  </p:clrMapOvr>
 </p:sldLayout>
 </file>
 
 <file path=ppt/slideLayouts/slideLayout24.xml><?xml version="1.0" encoding="utf-8"?>
-<p:sldLayout xmlns:a="http://schemas.openxmlformats.org/drawingml/2006/main" xmlns:p="http://schemas.openxmlformats.org/presentationml/2006/main" xmlns:r="http://schemas.openxmlformats.org/officeDocument/2006/relationships" xmlns:p14="http://schemas.microsoft.com/office/powerpoint/2010/main" xmlns:p15="http://schemas.microsoft.com/office/powerpoint/2012/main" xmlns:mc="http://schemas.openxmlformats.org/markup-compatibility/2006" type="blank" preserve="1">
+<p:sldLayout xmlns:a="http://schemas.openxmlformats.org/drawingml/2006/main" xmlns:r="http://schemas.openxmlformats.org/officeDocument/2006/relationships" xmlns:p="http://schemas.openxmlformats.org/presentationml/2006/main" type="blank" preserve="1">
   <p:cSld name="Title, 6 Content">
     <p:spTree>
       <p:nvGrpSpPr>
@@ -1828,13 +2018,14 @@
           </a:prstGeom>
         </p:spPr>
         <p:txBody>
-          <a:bodyPr lIns="0" rIns="0" tIns="0" bIns="0" anchor="ctr">
+          <a:bodyPr lIns="0" tIns="0" rIns="0" bIns="0" anchor="ctr">
             <a:noAutofit/>
           </a:bodyPr>
-          <a:p>
-            <a:endParaRPr b="0" lang="en-IN" sz="4400" spc="-1" strike="noStrike">
+          <a:lstStyle/>
+          <a:p>
+            <a:endParaRPr lang="en-IN" sz="4400" b="0" strike="noStrike" spc="-1">
               <a:solidFill>
-                <a:srgbClr val="c7243a"/>
+                <a:srgbClr val="C7243A"/>
               </a:solidFill>
               <a:latin typeface="Arial"/>
             </a:endParaRPr>
@@ -1861,11 +2052,12 @@
           </a:prstGeom>
         </p:spPr>
         <p:txBody>
-          <a:bodyPr lIns="0" rIns="0" tIns="0" bIns="0">
+          <a:bodyPr lIns="0" tIns="0" rIns="0" bIns="0">
             <a:normAutofit/>
           </a:bodyPr>
-          <a:p>
-            <a:endParaRPr b="0" lang="en-IN" sz="3200" spc="-1" strike="noStrike">
+          <a:lstStyle/>
+          <a:p>
+            <a:endParaRPr lang="en-IN" sz="3200" b="0" strike="noStrike" spc="-1">
               <a:latin typeface="Arial"/>
             </a:endParaRPr>
           </a:p>
@@ -1891,11 +2083,12 @@
           </a:prstGeom>
         </p:spPr>
         <p:txBody>
-          <a:bodyPr lIns="0" rIns="0" tIns="0" bIns="0">
+          <a:bodyPr lIns="0" tIns="0" rIns="0" bIns="0">
             <a:normAutofit/>
           </a:bodyPr>
-          <a:p>
-            <a:endParaRPr b="0" lang="en-IN" sz="3200" spc="-1" strike="noStrike">
+          <a:lstStyle/>
+          <a:p>
+            <a:endParaRPr lang="en-IN" sz="3200" b="0" strike="noStrike" spc="-1">
               <a:latin typeface="Arial"/>
             </a:endParaRPr>
           </a:p>
@@ -1921,11 +2114,12 @@
           </a:prstGeom>
         </p:spPr>
         <p:txBody>
-          <a:bodyPr lIns="0" rIns="0" tIns="0" bIns="0">
+          <a:bodyPr lIns="0" tIns="0" rIns="0" bIns="0">
             <a:normAutofit/>
           </a:bodyPr>
-          <a:p>
-            <a:endParaRPr b="0" lang="en-IN" sz="3200" spc="-1" strike="noStrike">
+          <a:lstStyle/>
+          <a:p>
+            <a:endParaRPr lang="en-IN" sz="3200" b="0" strike="noStrike" spc="-1">
               <a:latin typeface="Arial"/>
             </a:endParaRPr>
           </a:p>
@@ -1951,11 +2145,12 @@
           </a:prstGeom>
         </p:spPr>
         <p:txBody>
-          <a:bodyPr lIns="0" rIns="0" tIns="0" bIns="0">
+          <a:bodyPr lIns="0" tIns="0" rIns="0" bIns="0">
             <a:normAutofit/>
           </a:bodyPr>
-          <a:p>
-            <a:endParaRPr b="0" lang="en-IN" sz="3200" spc="-1" strike="noStrike">
+          <a:lstStyle/>
+          <a:p>
+            <a:endParaRPr lang="en-IN" sz="3200" b="0" strike="noStrike" spc="-1">
               <a:latin typeface="Arial"/>
             </a:endParaRPr>
           </a:p>
@@ -1981,11 +2176,12 @@
           </a:prstGeom>
         </p:spPr>
         <p:txBody>
-          <a:bodyPr lIns="0" rIns="0" tIns="0" bIns="0">
+          <a:bodyPr lIns="0" tIns="0" rIns="0" bIns="0">
             <a:normAutofit/>
           </a:bodyPr>
-          <a:p>
-            <a:endParaRPr b="0" lang="en-IN" sz="3200" spc="-1" strike="noStrike">
+          <a:lstStyle/>
+          <a:p>
+            <a:endParaRPr lang="en-IN" sz="3200" b="0" strike="noStrike" spc="-1">
               <a:latin typeface="Arial"/>
             </a:endParaRPr>
           </a:p>
@@ -2011,11 +2207,12 @@
           </a:prstGeom>
         </p:spPr>
         <p:txBody>
-          <a:bodyPr lIns="0" rIns="0" tIns="0" bIns="0">
+          <a:bodyPr lIns="0" tIns="0" rIns="0" bIns="0">
             <a:normAutofit/>
           </a:bodyPr>
-          <a:p>
-            <a:endParaRPr b="0" lang="en-IN" sz="3200" spc="-1" strike="noStrike">
+          <a:lstStyle/>
+          <a:p>
+            <a:endParaRPr lang="en-IN" sz="3200" b="0" strike="noStrike" spc="-1">
               <a:latin typeface="Arial"/>
             </a:endParaRPr>
           </a:p>
@@ -2023,11 +2220,14 @@
       </p:sp>
     </p:spTree>
   </p:cSld>
+  <p:clrMapOvr>
+    <a:masterClrMapping/>
+  </p:clrMapOvr>
 </p:sldLayout>
 </file>
 
 <file path=ppt/slideLayouts/slideLayout3.xml><?xml version="1.0" encoding="utf-8"?>
-<p:sldLayout xmlns:a="http://schemas.openxmlformats.org/drawingml/2006/main" xmlns:p="http://schemas.openxmlformats.org/presentationml/2006/main" xmlns:r="http://schemas.openxmlformats.org/officeDocument/2006/relationships" xmlns:p14="http://schemas.microsoft.com/office/powerpoint/2010/main" xmlns:p15="http://schemas.microsoft.com/office/powerpoint/2012/main" xmlns:mc="http://schemas.openxmlformats.org/markup-compatibility/2006" type="obj" preserve="1">
+<p:sldLayout xmlns:a="http://schemas.openxmlformats.org/drawingml/2006/main" xmlns:r="http://schemas.openxmlformats.org/officeDocument/2006/relationships" xmlns:p="http://schemas.openxmlformats.org/presentationml/2006/main" type="obj" preserve="1">
   <p:cSld name="Title, Content">
     <p:spTree>
       <p:nvGrpSpPr>
@@ -2063,13 +2263,14 @@
           </a:prstGeom>
         </p:spPr>
         <p:txBody>
-          <a:bodyPr lIns="0" rIns="0" tIns="0" bIns="0" anchor="ctr">
+          <a:bodyPr lIns="0" tIns="0" rIns="0" bIns="0" anchor="ctr">
             <a:noAutofit/>
           </a:bodyPr>
-          <a:p>
-            <a:endParaRPr b="0" lang="en-IN" sz="4400" spc="-1" strike="noStrike">
+          <a:lstStyle/>
+          <a:p>
+            <a:endParaRPr lang="en-IN" sz="4400" b="0" strike="noStrike" spc="-1">
               <a:solidFill>
-                <a:srgbClr val="c7243a"/>
+                <a:srgbClr val="C7243A"/>
               </a:solidFill>
               <a:latin typeface="Arial"/>
             </a:endParaRPr>
@@ -2096,11 +2297,12 @@
           </a:prstGeom>
         </p:spPr>
         <p:txBody>
-          <a:bodyPr lIns="0" rIns="0" tIns="0" bIns="0">
+          <a:bodyPr lIns="0" tIns="0" rIns="0" bIns="0">
             <a:normAutofit/>
           </a:bodyPr>
-          <a:p>
-            <a:endParaRPr b="0" lang="en-IN" sz="3200" spc="-1" strike="noStrike">
+          <a:lstStyle/>
+          <a:p>
+            <a:endParaRPr lang="en-IN" sz="3200" b="0" strike="noStrike" spc="-1">
               <a:latin typeface="Arial"/>
             </a:endParaRPr>
           </a:p>
@@ -2108,11 +2310,14 @@
       </p:sp>
     </p:spTree>
   </p:cSld>
+  <p:clrMapOvr>
+    <a:masterClrMapping/>
+  </p:clrMapOvr>
 </p:sldLayout>
 </file>
 
 <file path=ppt/slideLayouts/slideLayout4.xml><?xml version="1.0" encoding="utf-8"?>
-<p:sldLayout xmlns:a="http://schemas.openxmlformats.org/drawingml/2006/main" xmlns:p="http://schemas.openxmlformats.org/presentationml/2006/main" xmlns:r="http://schemas.openxmlformats.org/officeDocument/2006/relationships" xmlns:p14="http://schemas.microsoft.com/office/powerpoint/2010/main" xmlns:p15="http://schemas.microsoft.com/office/powerpoint/2012/main" xmlns:mc="http://schemas.openxmlformats.org/markup-compatibility/2006" type="twoObj" preserve="1">
+<p:sldLayout xmlns:a="http://schemas.openxmlformats.org/drawingml/2006/main" xmlns:r="http://schemas.openxmlformats.org/officeDocument/2006/relationships" xmlns:p="http://schemas.openxmlformats.org/presentationml/2006/main" type="twoObj" preserve="1">
   <p:cSld name="Title, 2 Content">
     <p:spTree>
       <p:nvGrpSpPr>
@@ -2148,13 +2353,14 @@
           </a:prstGeom>
         </p:spPr>
         <p:txBody>
-          <a:bodyPr lIns="0" rIns="0" tIns="0" bIns="0" anchor="ctr">
+          <a:bodyPr lIns="0" tIns="0" rIns="0" bIns="0" anchor="ctr">
             <a:noAutofit/>
           </a:bodyPr>
-          <a:p>
-            <a:endParaRPr b="0" lang="en-IN" sz="4400" spc="-1" strike="noStrike">
+          <a:lstStyle/>
+          <a:p>
+            <a:endParaRPr lang="en-IN" sz="4400" b="0" strike="noStrike" spc="-1">
               <a:solidFill>
-                <a:srgbClr val="c7243a"/>
+                <a:srgbClr val="C7243A"/>
               </a:solidFill>
               <a:latin typeface="Arial"/>
             </a:endParaRPr>
@@ -2181,11 +2387,12 @@
           </a:prstGeom>
         </p:spPr>
         <p:txBody>
-          <a:bodyPr lIns="0" rIns="0" tIns="0" bIns="0">
+          <a:bodyPr lIns="0" tIns="0" rIns="0" bIns="0">
             <a:normAutofit/>
           </a:bodyPr>
-          <a:p>
-            <a:endParaRPr b="0" lang="en-IN" sz="3200" spc="-1" strike="noStrike">
+          <a:lstStyle/>
+          <a:p>
+            <a:endParaRPr lang="en-IN" sz="3200" b="0" strike="noStrike" spc="-1">
               <a:latin typeface="Arial"/>
             </a:endParaRPr>
           </a:p>
@@ -2211,11 +2418,12 @@
           </a:prstGeom>
         </p:spPr>
         <p:txBody>
-          <a:bodyPr lIns="0" rIns="0" tIns="0" bIns="0">
+          <a:bodyPr lIns="0" tIns="0" rIns="0" bIns="0">
             <a:normAutofit/>
           </a:bodyPr>
-          <a:p>
-            <a:endParaRPr b="0" lang="en-IN" sz="3200" spc="-1" strike="noStrike">
+          <a:lstStyle/>
+          <a:p>
+            <a:endParaRPr lang="en-IN" sz="3200" b="0" strike="noStrike" spc="-1">
               <a:latin typeface="Arial"/>
             </a:endParaRPr>
           </a:p>
@@ -2223,11 +2431,14 @@
       </p:sp>
     </p:spTree>
   </p:cSld>
+  <p:clrMapOvr>
+    <a:masterClrMapping/>
+  </p:clrMapOvr>
 </p:sldLayout>
 </file>
 
 <file path=ppt/slideLayouts/slideLayout5.xml><?xml version="1.0" encoding="utf-8"?>
-<p:sldLayout xmlns:a="http://schemas.openxmlformats.org/drawingml/2006/main" xmlns:p="http://schemas.openxmlformats.org/presentationml/2006/main" xmlns:r="http://schemas.openxmlformats.org/officeDocument/2006/relationships" xmlns:p14="http://schemas.microsoft.com/office/powerpoint/2010/main" xmlns:p15="http://schemas.microsoft.com/office/powerpoint/2012/main" xmlns:mc="http://schemas.openxmlformats.org/markup-compatibility/2006" type="titleOnly" preserve="1">
+<p:sldLayout xmlns:a="http://schemas.openxmlformats.org/drawingml/2006/main" xmlns:r="http://schemas.openxmlformats.org/officeDocument/2006/relationships" xmlns:p="http://schemas.openxmlformats.org/presentationml/2006/main" type="titleOnly" preserve="1">
   <p:cSld name="Title Only">
     <p:spTree>
       <p:nvGrpSpPr>
@@ -2263,13 +2474,14 @@
           </a:prstGeom>
         </p:spPr>
         <p:txBody>
-          <a:bodyPr lIns="0" rIns="0" tIns="0" bIns="0" anchor="ctr">
+          <a:bodyPr lIns="0" tIns="0" rIns="0" bIns="0" anchor="ctr">
             <a:noAutofit/>
           </a:bodyPr>
-          <a:p>
-            <a:endParaRPr b="0" lang="en-IN" sz="4400" spc="-1" strike="noStrike">
+          <a:lstStyle/>
+          <a:p>
+            <a:endParaRPr lang="en-IN" sz="4400" b="0" strike="noStrike" spc="-1">
               <a:solidFill>
-                <a:srgbClr val="c7243a"/>
+                <a:srgbClr val="C7243A"/>
               </a:solidFill>
               <a:latin typeface="Arial"/>
             </a:endParaRPr>
@@ -2278,11 +2490,14 @@
       </p:sp>
     </p:spTree>
   </p:cSld>
+  <p:clrMapOvr>
+    <a:masterClrMapping/>
+  </p:clrMapOvr>
 </p:sldLayout>
 </file>
 
 <file path=ppt/slideLayouts/slideLayout6.xml><?xml version="1.0" encoding="utf-8"?>
-<p:sldLayout xmlns:a="http://schemas.openxmlformats.org/drawingml/2006/main" xmlns:p="http://schemas.openxmlformats.org/presentationml/2006/main" xmlns:r="http://schemas.openxmlformats.org/officeDocument/2006/relationships" xmlns:p14="http://schemas.microsoft.com/office/powerpoint/2010/main" xmlns:p15="http://schemas.microsoft.com/office/powerpoint/2012/main" xmlns:mc="http://schemas.openxmlformats.org/markup-compatibility/2006" type="objOnly" preserve="1">
+<p:sldLayout xmlns:a="http://schemas.openxmlformats.org/drawingml/2006/main" xmlns:r="http://schemas.openxmlformats.org/officeDocument/2006/relationships" xmlns:p="http://schemas.openxmlformats.org/presentationml/2006/main" type="objOnly" preserve="1">
   <p:cSld name="Centered Text">
     <p:spTree>
       <p:nvGrpSpPr>
@@ -2318,12 +2533,13 @@
           </a:prstGeom>
         </p:spPr>
         <p:txBody>
-          <a:bodyPr lIns="0" rIns="0" tIns="0" bIns="0" anchor="ctr">
+          <a:bodyPr lIns="0" tIns="0" rIns="0" bIns="0" anchor="ctr">
             <a:noAutofit/>
           </a:bodyPr>
+          <a:lstStyle/>
           <a:p>
             <a:pPr algn="ctr"/>
-            <a:endParaRPr b="0" lang="en-IN" sz="3200" spc="-1" strike="noStrike">
+            <a:endParaRPr lang="en-IN" sz="3200" b="0" strike="noStrike" spc="-1">
               <a:latin typeface="Arial"/>
             </a:endParaRPr>
           </a:p>
@@ -2331,11 +2547,14 @@
       </p:sp>
     </p:spTree>
   </p:cSld>
+  <p:clrMapOvr>
+    <a:masterClrMapping/>
+  </p:clrMapOvr>
 </p:sldLayout>
 </file>
 
 <file path=ppt/slideLayouts/slideLayout7.xml><?xml version="1.0" encoding="utf-8"?>
-<p:sldLayout xmlns:a="http://schemas.openxmlformats.org/drawingml/2006/main" xmlns:p="http://schemas.openxmlformats.org/presentationml/2006/main" xmlns:r="http://schemas.openxmlformats.org/officeDocument/2006/relationships" xmlns:p14="http://schemas.microsoft.com/office/powerpoint/2010/main" xmlns:p15="http://schemas.microsoft.com/office/powerpoint/2012/main" xmlns:mc="http://schemas.openxmlformats.org/markup-compatibility/2006" type="twoObjAndObj" preserve="1">
+<p:sldLayout xmlns:a="http://schemas.openxmlformats.org/drawingml/2006/main" xmlns:r="http://schemas.openxmlformats.org/officeDocument/2006/relationships" xmlns:p="http://schemas.openxmlformats.org/presentationml/2006/main" type="twoObjAndObj" preserve="1">
   <p:cSld name="Title, 2 Content and Content">
     <p:spTree>
       <p:nvGrpSpPr>
@@ -2371,13 +2590,14 @@
           </a:prstGeom>
         </p:spPr>
         <p:txBody>
-          <a:bodyPr lIns="0" rIns="0" tIns="0" bIns="0" anchor="ctr">
+          <a:bodyPr lIns="0" tIns="0" rIns="0" bIns="0" anchor="ctr">
             <a:noAutofit/>
           </a:bodyPr>
-          <a:p>
-            <a:endParaRPr b="0" lang="en-IN" sz="4400" spc="-1" strike="noStrike">
+          <a:lstStyle/>
+          <a:p>
+            <a:endParaRPr lang="en-IN" sz="4400" b="0" strike="noStrike" spc="-1">
               <a:solidFill>
-                <a:srgbClr val="c7243a"/>
+                <a:srgbClr val="C7243A"/>
               </a:solidFill>
               <a:latin typeface="Arial"/>
             </a:endParaRPr>
@@ -2404,11 +2624,12 @@
           </a:prstGeom>
         </p:spPr>
         <p:txBody>
-          <a:bodyPr lIns="0" rIns="0" tIns="0" bIns="0">
+          <a:bodyPr lIns="0" tIns="0" rIns="0" bIns="0">
             <a:normAutofit/>
           </a:bodyPr>
-          <a:p>
-            <a:endParaRPr b="0" lang="en-IN" sz="3200" spc="-1" strike="noStrike">
+          <a:lstStyle/>
+          <a:p>
+            <a:endParaRPr lang="en-IN" sz="3200" b="0" strike="noStrike" spc="-1">
               <a:latin typeface="Arial"/>
             </a:endParaRPr>
           </a:p>
@@ -2434,11 +2655,12 @@
           </a:prstGeom>
         </p:spPr>
         <p:txBody>
-          <a:bodyPr lIns="0" rIns="0" tIns="0" bIns="0">
+          <a:bodyPr lIns="0" tIns="0" rIns="0" bIns="0">
             <a:normAutofit/>
           </a:bodyPr>
-          <a:p>
-            <a:endParaRPr b="0" lang="en-IN" sz="3200" spc="-1" strike="noStrike">
+          <a:lstStyle/>
+          <a:p>
+            <a:endParaRPr lang="en-IN" sz="3200" b="0" strike="noStrike" spc="-1">
               <a:latin typeface="Arial"/>
             </a:endParaRPr>
           </a:p>
@@ -2464,11 +2686,12 @@
           </a:prstGeom>
         </p:spPr>
         <p:txBody>
-          <a:bodyPr lIns="0" rIns="0" tIns="0" bIns="0">
+          <a:bodyPr lIns="0" tIns="0" rIns="0" bIns="0">
             <a:normAutofit/>
           </a:bodyPr>
-          <a:p>
-            <a:endParaRPr b="0" lang="en-IN" sz="3200" spc="-1" strike="noStrike">
+          <a:lstStyle/>
+          <a:p>
+            <a:endParaRPr lang="en-IN" sz="3200" b="0" strike="noStrike" spc="-1">
               <a:latin typeface="Arial"/>
             </a:endParaRPr>
           </a:p>
@@ -2476,11 +2699,14 @@
       </p:sp>
     </p:spTree>
   </p:cSld>
+  <p:clrMapOvr>
+    <a:masterClrMapping/>
+  </p:clrMapOvr>
 </p:sldLayout>
 </file>
 
 <file path=ppt/slideLayouts/slideLayout8.xml><?xml version="1.0" encoding="utf-8"?>
-<p:sldLayout xmlns:a="http://schemas.openxmlformats.org/drawingml/2006/main" xmlns:p="http://schemas.openxmlformats.org/presentationml/2006/main" xmlns:r="http://schemas.openxmlformats.org/officeDocument/2006/relationships" xmlns:p14="http://schemas.microsoft.com/office/powerpoint/2010/main" xmlns:p15="http://schemas.microsoft.com/office/powerpoint/2012/main" xmlns:mc="http://schemas.openxmlformats.org/markup-compatibility/2006" type="objAndTwoObj" preserve="1">
+<p:sldLayout xmlns:a="http://schemas.openxmlformats.org/drawingml/2006/main" xmlns:r="http://schemas.openxmlformats.org/officeDocument/2006/relationships" xmlns:p="http://schemas.openxmlformats.org/presentationml/2006/main" type="objAndTwoObj" preserve="1">
   <p:cSld name="Title Content and 2 Content">
     <p:spTree>
       <p:nvGrpSpPr>
@@ -2516,13 +2742,14 @@
           </a:prstGeom>
         </p:spPr>
         <p:txBody>
-          <a:bodyPr lIns="0" rIns="0" tIns="0" bIns="0" anchor="ctr">
+          <a:bodyPr lIns="0" tIns="0" rIns="0" bIns="0" anchor="ctr">
             <a:noAutofit/>
           </a:bodyPr>
-          <a:p>
-            <a:endParaRPr b="0" lang="en-IN" sz="4400" spc="-1" strike="noStrike">
+          <a:lstStyle/>
+          <a:p>
+            <a:endParaRPr lang="en-IN" sz="4400" b="0" strike="noStrike" spc="-1">
               <a:solidFill>
-                <a:srgbClr val="c7243a"/>
+                <a:srgbClr val="C7243A"/>
               </a:solidFill>
               <a:latin typeface="Arial"/>
             </a:endParaRPr>
@@ -2549,11 +2776,12 @@
           </a:prstGeom>
         </p:spPr>
         <p:txBody>
-          <a:bodyPr lIns="0" rIns="0" tIns="0" bIns="0">
+          <a:bodyPr lIns="0" tIns="0" rIns="0" bIns="0">
             <a:normAutofit/>
           </a:bodyPr>
-          <a:p>
-            <a:endParaRPr b="0" lang="en-IN" sz="3200" spc="-1" strike="noStrike">
+          <a:lstStyle/>
+          <a:p>
+            <a:endParaRPr lang="en-IN" sz="3200" b="0" strike="noStrike" spc="-1">
               <a:latin typeface="Arial"/>
             </a:endParaRPr>
           </a:p>
@@ -2579,11 +2807,12 @@
           </a:prstGeom>
         </p:spPr>
         <p:txBody>
-          <a:bodyPr lIns="0" rIns="0" tIns="0" bIns="0">
+          <a:bodyPr lIns="0" tIns="0" rIns="0" bIns="0">
             <a:normAutofit/>
           </a:bodyPr>
-          <a:p>
-            <a:endParaRPr b="0" lang="en-IN" sz="3200" spc="-1" strike="noStrike">
+          <a:lstStyle/>
+          <a:p>
+            <a:endParaRPr lang="en-IN" sz="3200" b="0" strike="noStrike" spc="-1">
               <a:latin typeface="Arial"/>
             </a:endParaRPr>
           </a:p>
@@ -2609,11 +2838,12 @@
           </a:prstGeom>
         </p:spPr>
         <p:txBody>
-          <a:bodyPr lIns="0" rIns="0" tIns="0" bIns="0">
+          <a:bodyPr lIns="0" tIns="0" rIns="0" bIns="0">
             <a:normAutofit/>
           </a:bodyPr>
-          <a:p>
-            <a:endParaRPr b="0" lang="en-IN" sz="3200" spc="-1" strike="noStrike">
+          <a:lstStyle/>
+          <a:p>
+            <a:endParaRPr lang="en-IN" sz="3200" b="0" strike="noStrike" spc="-1">
               <a:latin typeface="Arial"/>
             </a:endParaRPr>
           </a:p>
@@ -2621,11 +2851,14 @@
       </p:sp>
     </p:spTree>
   </p:cSld>
+  <p:clrMapOvr>
+    <a:masterClrMapping/>
+  </p:clrMapOvr>
 </p:sldLayout>
 </file>
 
 <file path=ppt/slideLayouts/slideLayout9.xml><?xml version="1.0" encoding="utf-8"?>
-<p:sldLayout xmlns:a="http://schemas.openxmlformats.org/drawingml/2006/main" xmlns:p="http://schemas.openxmlformats.org/presentationml/2006/main" xmlns:r="http://schemas.openxmlformats.org/officeDocument/2006/relationships" xmlns:p14="http://schemas.microsoft.com/office/powerpoint/2010/main" xmlns:p15="http://schemas.microsoft.com/office/powerpoint/2012/main" xmlns:mc="http://schemas.openxmlformats.org/markup-compatibility/2006" type="twoObjOverTx" preserve="1">
+<p:sldLayout xmlns:a="http://schemas.openxmlformats.org/drawingml/2006/main" xmlns:r="http://schemas.openxmlformats.org/officeDocument/2006/relationships" xmlns:p="http://schemas.openxmlformats.org/presentationml/2006/main" type="twoObjOverTx" preserve="1">
   <p:cSld name="Title, 2 Content over Content">
     <p:spTree>
       <p:nvGrpSpPr>
@@ -2661,13 +2894,14 @@
           </a:prstGeom>
         </p:spPr>
         <p:txBody>
-          <a:bodyPr lIns="0" rIns="0" tIns="0" bIns="0" anchor="ctr">
+          <a:bodyPr lIns="0" tIns="0" rIns="0" bIns="0" anchor="ctr">
             <a:noAutofit/>
           </a:bodyPr>
-          <a:p>
-            <a:endParaRPr b="0" lang="en-IN" sz="4400" spc="-1" strike="noStrike">
+          <a:lstStyle/>
+          <a:p>
+            <a:endParaRPr lang="en-IN" sz="4400" b="0" strike="noStrike" spc="-1">
               <a:solidFill>
-                <a:srgbClr val="c7243a"/>
+                <a:srgbClr val="C7243A"/>
               </a:solidFill>
               <a:latin typeface="Arial"/>
             </a:endParaRPr>
@@ -2694,11 +2928,12 @@
           </a:prstGeom>
         </p:spPr>
         <p:txBody>
-          <a:bodyPr lIns="0" rIns="0" tIns="0" bIns="0">
+          <a:bodyPr lIns="0" tIns="0" rIns="0" bIns="0">
             <a:normAutofit/>
           </a:bodyPr>
-          <a:p>
-            <a:endParaRPr b="0" lang="en-IN" sz="3200" spc="-1" strike="noStrike">
+          <a:lstStyle/>
+          <a:p>
+            <a:endParaRPr lang="en-IN" sz="3200" b="0" strike="noStrike" spc="-1">
               <a:latin typeface="Arial"/>
             </a:endParaRPr>
           </a:p>
@@ -2724,11 +2959,12 @@
           </a:prstGeom>
         </p:spPr>
         <p:txBody>
-          <a:bodyPr lIns="0" rIns="0" tIns="0" bIns="0">
+          <a:bodyPr lIns="0" tIns="0" rIns="0" bIns="0">
             <a:normAutofit/>
           </a:bodyPr>
-          <a:p>
-            <a:endParaRPr b="0" lang="en-IN" sz="3200" spc="-1" strike="noStrike">
+          <a:lstStyle/>
+          <a:p>
+            <a:endParaRPr lang="en-IN" sz="3200" b="0" strike="noStrike" spc="-1">
               <a:latin typeface="Arial"/>
             </a:endParaRPr>
           </a:p>
@@ -2754,11 +2990,12 @@
           </a:prstGeom>
         </p:spPr>
         <p:txBody>
-          <a:bodyPr lIns="0" rIns="0" tIns="0" bIns="0">
+          <a:bodyPr lIns="0" tIns="0" rIns="0" bIns="0">
             <a:normAutofit/>
           </a:bodyPr>
-          <a:p>
-            <a:endParaRPr b="0" lang="en-IN" sz="3200" spc="-1" strike="noStrike">
+          <a:lstStyle/>
+          <a:p>
+            <a:endParaRPr lang="en-IN" sz="3200" b="0" strike="noStrike" spc="-1">
               <a:latin typeface="Arial"/>
             </a:endParaRPr>
           </a:p>
@@ -2766,11 +3003,14 @@
       </p:sp>
     </p:spTree>
   </p:cSld>
+  <p:clrMapOvr>
+    <a:masterClrMapping/>
+  </p:clrMapOvr>
 </p:sldLayout>
 </file>
 
 <file path=ppt/slideMasters/slideMaster1.xml><?xml version="1.0" encoding="utf-8"?>
-<p:sldMaster xmlns:a="http://schemas.openxmlformats.org/drawingml/2006/main" xmlns:p="http://schemas.openxmlformats.org/presentationml/2006/main" xmlns:r="http://schemas.openxmlformats.org/officeDocument/2006/relationships" xmlns:p14="http://schemas.microsoft.com/office/powerpoint/2010/main" xmlns:p15="http://schemas.microsoft.com/office/powerpoint/2012/main" xmlns:mc="http://schemas.openxmlformats.org/markup-compatibility/2006">
+<p:sldMaster xmlns:a="http://schemas.openxmlformats.org/drawingml/2006/main" xmlns:r="http://schemas.openxmlformats.org/officeDocument/2006/relationships" xmlns:p="http://schemas.openxmlformats.org/presentationml/2006/main">
   <p:cSld>
     <p:spTree>
       <p:nvGrpSpPr>
@@ -2788,12 +3028,12 @@
       </p:grpSpPr>
       <p:pic>
         <p:nvPicPr>
-          <p:cNvPr id="0" name="" descr=""/>
+          <p:cNvPr id="7" name="Picture 4294967295"/>
           <p:cNvPicPr/>
           <p:nvPr/>
         </p:nvPicPr>
         <p:blipFill>
-          <a:blip r:embed="rId2"/>
+          <a:blip r:embed="rId14"/>
           <a:stretch/>
         </p:blipFill>
         <p:spPr>
@@ -2811,7 +3051,7 @@
       </p:pic>
       <p:sp>
         <p:nvSpPr>
-          <p:cNvPr id="1" name="PlaceHolder 1"/>
+          <p:cNvPr id="8" name="PlaceHolder 1"/>
           <p:cNvSpPr>
             <a:spLocks noGrp="1"/>
           </p:cNvSpPr>
@@ -2829,25 +3069,20 @@
           </a:prstGeom>
         </p:spPr>
         <p:txBody>
-          <a:bodyPr lIns="72000" rIns="0" tIns="0" bIns="0" anchor="ctr">
+          <a:bodyPr lIns="72000" tIns="0" rIns="0" bIns="0" anchor="ctr">
             <a:noAutofit/>
           </a:bodyPr>
-          <a:p>
-            <a:r>
-              <a:rPr b="0" lang="en-IN" sz="4400" spc="-1" strike="noStrike">
+          <a:lstStyle/>
+          <a:p>
+            <a:r>
+              <a:rPr lang="en-IN" sz="4400" b="0" strike="noStrike" spc="-1">
                 <a:solidFill>
-                  <a:srgbClr val="ffffff"/>
+                  <a:srgbClr val="FFFFFF"/>
                 </a:solidFill>
                 <a:latin typeface="Arial"/>
               </a:rPr>
               <a:t>Click to edit the title text format</a:t>
             </a:r>
-            <a:endParaRPr b="0" lang="en-IN" sz="4400" spc="-1" strike="noStrike">
-              <a:solidFill>
-                <a:srgbClr val="ffffff"/>
-              </a:solidFill>
-              <a:latin typeface="Arial"/>
-            </a:endParaRPr>
           </a:p>
         </p:txBody>
       </p:sp>
@@ -2871,9 +3106,10 @@
           </a:prstGeom>
         </p:spPr>
         <p:txBody>
-          <a:bodyPr lIns="0" rIns="0" tIns="0" bIns="0">
+          <a:bodyPr lIns="0" tIns="0" rIns="0" bIns="0">
             <a:normAutofit fontScale="45000"/>
           </a:bodyPr>
+          <a:lstStyle/>
           <a:p>
             <a:pPr marL="432000" indent="-324000">
               <a:spcAft>
@@ -2887,17 +3123,14 @@
               <a:buChar char=""/>
             </a:pPr>
             <a:r>
-              <a:rPr b="0" lang="en-IN" sz="2400" spc="-1" strike="noStrike">
+              <a:rPr lang="en-IN" sz="2400" b="0" strike="noStrike" spc="-1">
                 <a:latin typeface="Arial"/>
               </a:rPr>
               <a:t>Click to edit the outline text format</a:t>
             </a:r>
-            <a:endParaRPr b="0" lang="en-IN" sz="2400" spc="-1" strike="noStrike">
-              <a:latin typeface="Arial"/>
-            </a:endParaRPr>
-          </a:p>
-          <a:p>
-            <a:pPr lvl="1" marL="864000" indent="-324000">
+          </a:p>
+          <a:p>
+            <a:pPr marL="864000" lvl="1" indent="-324000">
               <a:spcAft>
                 <a:spcPts val="848"/>
               </a:spcAft>
@@ -2909,17 +3142,14 @@
               <a:buChar char=""/>
             </a:pPr>
             <a:r>
-              <a:rPr b="0" lang="en-IN" sz="2100" spc="-1" strike="noStrike">
+              <a:rPr lang="en-IN" sz="2100" b="0" strike="noStrike" spc="-1">
                 <a:latin typeface="Arial"/>
               </a:rPr>
               <a:t>Second Outline Level</a:t>
             </a:r>
-            <a:endParaRPr b="0" lang="en-IN" sz="2100" spc="-1" strike="noStrike">
-              <a:latin typeface="Arial"/>
-            </a:endParaRPr>
-          </a:p>
-          <a:p>
-            <a:pPr lvl="2" marL="1296000" indent="-288000">
+          </a:p>
+          <a:p>
+            <a:pPr marL="1296000" lvl="2" indent="-288000">
               <a:spcAft>
                 <a:spcPts val="635"/>
               </a:spcAft>
@@ -2931,17 +3161,14 @@
               <a:buChar char=""/>
             </a:pPr>
             <a:r>
-              <a:rPr b="0" lang="en-IN" sz="1800" spc="-1" strike="noStrike">
+              <a:rPr lang="en-IN" sz="1800" b="0" strike="noStrike" spc="-1">
                 <a:latin typeface="Arial"/>
               </a:rPr>
               <a:t>Third Outline Level</a:t>
             </a:r>
-            <a:endParaRPr b="0" lang="en-IN" sz="1800" spc="-1" strike="noStrike">
-              <a:latin typeface="Arial"/>
-            </a:endParaRPr>
-          </a:p>
-          <a:p>
-            <a:pPr lvl="3" marL="1728000" indent="-216000">
+          </a:p>
+          <a:p>
+            <a:pPr marL="1728000" lvl="3" indent="-216000">
               <a:spcAft>
                 <a:spcPts val="422"/>
               </a:spcAft>
@@ -2953,17 +3180,14 @@
               <a:buChar char=""/>
             </a:pPr>
             <a:r>
-              <a:rPr b="0" lang="en-IN" sz="1500" spc="-1" strike="noStrike">
+              <a:rPr lang="en-IN" sz="1500" b="0" strike="noStrike" spc="-1">
                 <a:latin typeface="Arial"/>
               </a:rPr>
               <a:t>Fourth Outline Level</a:t>
             </a:r>
-            <a:endParaRPr b="0" lang="en-IN" sz="1500" spc="-1" strike="noStrike">
-              <a:latin typeface="Arial"/>
-            </a:endParaRPr>
-          </a:p>
-          <a:p>
-            <a:pPr lvl="4" marL="2160000" indent="-216000">
+          </a:p>
+          <a:p>
+            <a:pPr marL="2160000" lvl="4" indent="-216000">
               <a:spcAft>
                 <a:spcPts val="210"/>
               </a:spcAft>
@@ -2975,17 +3199,14 @@
               <a:buChar char=""/>
             </a:pPr>
             <a:r>
-              <a:rPr b="0" lang="en-IN" sz="1500" spc="-1" strike="noStrike">
+              <a:rPr lang="en-IN" sz="1500" b="0" strike="noStrike" spc="-1">
                 <a:latin typeface="Arial"/>
               </a:rPr>
               <a:t>Fifth Outline Level</a:t>
             </a:r>
-            <a:endParaRPr b="0" lang="en-IN" sz="1500" spc="-1" strike="noStrike">
-              <a:latin typeface="Arial"/>
-            </a:endParaRPr>
-          </a:p>
-          <a:p>
-            <a:pPr lvl="5" marL="2592000" indent="-216000">
+          </a:p>
+          <a:p>
+            <a:pPr marL="2592000" lvl="5" indent="-216000">
               <a:spcAft>
                 <a:spcPts val="210"/>
               </a:spcAft>
@@ -2997,17 +3218,14 @@
               <a:buChar char=""/>
             </a:pPr>
             <a:r>
-              <a:rPr b="0" lang="en-IN" sz="1500" spc="-1" strike="noStrike">
+              <a:rPr lang="en-IN" sz="1500" b="0" strike="noStrike" spc="-1">
                 <a:latin typeface="Arial"/>
               </a:rPr>
               <a:t>Sixth Outline Level</a:t>
             </a:r>
-            <a:endParaRPr b="0" lang="en-IN" sz="1500" spc="-1" strike="noStrike">
-              <a:latin typeface="Arial"/>
-            </a:endParaRPr>
-          </a:p>
-          <a:p>
-            <a:pPr lvl="6" marL="3024000" indent="-216000">
+          </a:p>
+          <a:p>
+            <a:pPr marL="3024000" lvl="6" indent="-216000">
               <a:spcAft>
                 <a:spcPts val="210"/>
               </a:spcAft>
@@ -3019,14 +3237,11 @@
               <a:buChar char=""/>
             </a:pPr>
             <a:r>
-              <a:rPr b="0" lang="en-IN" sz="1500" spc="-1" strike="noStrike">
+              <a:rPr lang="en-IN" sz="1500" b="0" strike="noStrike" spc="-1">
                 <a:latin typeface="Arial"/>
               </a:rPr>
               <a:t>Seventh Outline Level</a:t>
             </a:r>
-            <a:endParaRPr b="0" lang="en-IN" sz="1500" spc="-1" strike="noStrike">
-              <a:latin typeface="Arial"/>
-            </a:endParaRPr>
           </a:p>
         </p:txBody>
       </p:sp>
@@ -3050,25 +3265,20 @@
           </a:prstGeom>
         </p:spPr>
         <p:txBody>
-          <a:bodyPr lIns="0" rIns="0" tIns="0" bIns="0">
+          <a:bodyPr lIns="0" tIns="0" rIns="0" bIns="0">
             <a:noAutofit/>
           </a:bodyPr>
-          <a:p>
-            <a:r>
-              <a:rPr b="0" lang="en-IN" sz="1400" spc="-1" strike="noStrike">
+          <a:lstStyle/>
+          <a:p>
+            <a:r>
+              <a:rPr lang="en-IN" sz="1400" b="0" strike="noStrike" spc="-1">
                 <a:solidFill>
-                  <a:srgbClr val="ffffff"/>
+                  <a:srgbClr val="FFFFFF"/>
                 </a:solidFill>
                 <a:latin typeface="Arial"/>
               </a:rPr>
               <a:t>&lt;date/time&gt;</a:t>
             </a:r>
-            <a:endParaRPr b="0" lang="en-IN" sz="1400" spc="-1" strike="noStrike">
-              <a:solidFill>
-                <a:srgbClr val="ffffff"/>
-              </a:solidFill>
-              <a:latin typeface="Arial"/>
-            </a:endParaRPr>
           </a:p>
         </p:txBody>
       </p:sp>
@@ -3092,26 +3302,21 @@
           </a:prstGeom>
         </p:spPr>
         <p:txBody>
-          <a:bodyPr lIns="0" rIns="0" tIns="0" bIns="0">
+          <a:bodyPr lIns="0" tIns="0" rIns="0" bIns="0">
             <a:noAutofit/>
           </a:bodyPr>
+          <a:lstStyle/>
           <a:p>
             <a:pPr algn="ctr"/>
             <a:r>
-              <a:rPr b="0" lang="en-IN" sz="1400" spc="-1" strike="noStrike">
+              <a:rPr lang="en-IN" sz="1400" b="0" strike="noStrike" spc="-1">
                 <a:solidFill>
-                  <a:srgbClr val="ffffff"/>
+                  <a:srgbClr val="FFFFFF"/>
                 </a:solidFill>
                 <a:latin typeface="Arial"/>
               </a:rPr>
               <a:t>&lt;footer&gt;</a:t>
             </a:r>
-            <a:endParaRPr b="0" lang="en-IN" sz="1400" spc="-1" strike="noStrike">
-              <a:solidFill>
-                <a:srgbClr val="ffffff"/>
-              </a:solidFill>
-              <a:latin typeface="Arial"/>
-            </a:endParaRPr>
           </a:p>
         </p:txBody>
       </p:sp>
@@ -3135,23 +3340,25 @@
           </a:prstGeom>
         </p:spPr>
         <p:txBody>
-          <a:bodyPr lIns="0" rIns="0" tIns="0" bIns="0">
+          <a:bodyPr lIns="0" tIns="0" rIns="0" bIns="0">
             <a:noAutofit/>
           </a:bodyPr>
+          <a:lstStyle/>
           <a:p>
             <a:pPr algn="r"/>
             <a:fld id="{F1AB5695-1BC5-4819-B507-501E50C0ACAC}" type="slidenum">
-              <a:rPr b="0" lang="en-IN" sz="1400" spc="-1" strike="noStrike">
+              <a:rPr lang="en-IN" sz="1400" b="0" strike="noStrike" spc="-1">
                 <a:solidFill>
-                  <a:srgbClr val="ffffff"/>
+                  <a:srgbClr val="FFFFFF"/>
                 </a:solidFill>
                 <a:latin typeface="Arial"/>
               </a:rPr>
-              <a:t>&lt;number&gt;</a:t>
+              <a:pPr algn="r"/>
+              <a:t>‹#›</a:t>
             </a:fld>
-            <a:endParaRPr b="0" lang="en-IN" sz="1400" spc="-1" strike="noStrike">
+            <a:endParaRPr lang="en-IN" sz="1400" b="0" strike="noStrike" spc="-1">
               <a:solidFill>
-                <a:srgbClr val="ffffff"/>
+                <a:srgbClr val="FFFFFF"/>
               </a:solidFill>
               <a:latin typeface="Arial"/>
             </a:endParaRPr>
@@ -3160,12 +3367,12 @@
       </p:sp>
       <p:pic>
         <p:nvPicPr>
-          <p:cNvPr id="6" name="" descr=""/>
+          <p:cNvPr id="6" name="Picture 5"/>
           <p:cNvPicPr/>
           <p:nvPr/>
         </p:nvPicPr>
         <p:blipFill>
-          <a:blip r:embed="rId3"/>
+          <a:blip r:embed="rId15"/>
           <a:stretch/>
         </p:blipFill>
         <p:spPr>
@@ -3183,26 +3390,31 @@
       </p:pic>
     </p:spTree>
   </p:cSld>
-  <p:clrMap bg1="lt1" bg2="lt2" tx1="dk1" tx2="dk2" accent1="accent1" accent2="accent2" accent3="accent3" accent4="accent4" accent5="accent5" accent6="accent6" hlink="hlink" folHlink="folHlink"/>
+  <p:clrMap bg1="lt1" tx1="dk1" bg2="lt2" tx2="dk2" accent1="accent1" accent2="accent2" accent3="accent3" accent4="accent4" accent5="accent5" accent6="accent6" hlink="hlink" folHlink="folHlink"/>
   <p:sldLayoutIdLst>
-    <p:sldLayoutId id="2147483649" r:id="rId4"/>
-    <p:sldLayoutId id="2147483650" r:id="rId5"/>
-    <p:sldLayoutId id="2147483651" r:id="rId6"/>
-    <p:sldLayoutId id="2147483652" r:id="rId7"/>
-    <p:sldLayoutId id="2147483653" r:id="rId8"/>
-    <p:sldLayoutId id="2147483654" r:id="rId9"/>
-    <p:sldLayoutId id="2147483655" r:id="rId10"/>
-    <p:sldLayoutId id="2147483656" r:id="rId11"/>
-    <p:sldLayoutId id="2147483657" r:id="rId12"/>
-    <p:sldLayoutId id="2147483658" r:id="rId13"/>
-    <p:sldLayoutId id="2147483659" r:id="rId14"/>
-    <p:sldLayoutId id="2147483660" r:id="rId15"/>
+    <p:sldLayoutId id="2147483649" r:id="rId1"/>
+    <p:sldLayoutId id="2147483650" r:id="rId2"/>
+    <p:sldLayoutId id="2147483651" r:id="rId3"/>
+    <p:sldLayoutId id="2147483652" r:id="rId4"/>
+    <p:sldLayoutId id="2147483653" r:id="rId5"/>
+    <p:sldLayoutId id="2147483654" r:id="rId6"/>
+    <p:sldLayoutId id="2147483655" r:id="rId7"/>
+    <p:sldLayoutId id="2147483656" r:id="rId8"/>
+    <p:sldLayoutId id="2147483657" r:id="rId9"/>
+    <p:sldLayoutId id="2147483658" r:id="rId10"/>
+    <p:sldLayoutId id="2147483659" r:id="rId11"/>
+    <p:sldLayoutId id="2147483660" r:id="rId12"/>
   </p:sldLayoutIdLst>
+  <p:txStyles>
+    <p:titleStyle/>
+    <p:bodyStyle/>
+    <p:otherStyle/>
+  </p:txStyles>
 </p:sldMaster>
 </file>
 
 <file path=ppt/slideMasters/slideMaster2.xml><?xml version="1.0" encoding="utf-8"?>
-<p:sldMaster xmlns:a="http://schemas.openxmlformats.org/drawingml/2006/main" xmlns:p="http://schemas.openxmlformats.org/presentationml/2006/main" xmlns:r="http://schemas.openxmlformats.org/officeDocument/2006/relationships" xmlns:p14="http://schemas.microsoft.com/office/powerpoint/2010/main" xmlns:p15="http://schemas.microsoft.com/office/powerpoint/2012/main" xmlns:mc="http://schemas.openxmlformats.org/markup-compatibility/2006">
+<p:sldMaster xmlns:a="http://schemas.openxmlformats.org/drawingml/2006/main" xmlns:r="http://schemas.openxmlformats.org/officeDocument/2006/relationships" xmlns:p="http://schemas.openxmlformats.org/presentationml/2006/main">
   <p:cSld>
     <p:spTree>
       <p:nvGrpSpPr>
@@ -3220,12 +3432,12 @@
       </p:grpSpPr>
       <p:pic>
         <p:nvPicPr>
-          <p:cNvPr id="43" name="" descr=""/>
+          <p:cNvPr id="43" name="Picture 42"/>
           <p:cNvPicPr/>
           <p:nvPr/>
         </p:nvPicPr>
         <p:blipFill>
-          <a:blip r:embed="rId2"/>
+          <a:blip r:embed="rId14"/>
           <a:stretch/>
         </p:blipFill>
         <p:spPr>
@@ -3243,12 +3455,12 @@
       </p:pic>
       <p:pic>
         <p:nvPicPr>
-          <p:cNvPr id="44" name="" descr=""/>
+          <p:cNvPr id="44" name="Picture 43"/>
           <p:cNvPicPr/>
           <p:nvPr/>
         </p:nvPicPr>
         <p:blipFill>
-          <a:blip r:embed="rId3"/>
+          <a:blip r:embed="rId14"/>
           <a:stretch/>
         </p:blipFill>
         <p:spPr>
@@ -3284,25 +3496,20 @@
           </a:prstGeom>
         </p:spPr>
         <p:txBody>
-          <a:bodyPr lIns="0" rIns="0" tIns="0" bIns="0" anchor="ctr">
+          <a:bodyPr lIns="0" tIns="0" rIns="0" bIns="0" anchor="ctr">
             <a:noAutofit/>
           </a:bodyPr>
-          <a:p>
-            <a:r>
-              <a:rPr b="0" lang="en-IN" sz="4400" spc="-1" strike="noStrike">
+          <a:lstStyle/>
+          <a:p>
+            <a:r>
+              <a:rPr lang="en-IN" sz="4400" b="0" strike="noStrike" spc="-1">
                 <a:solidFill>
-                  <a:srgbClr val="c7243a"/>
+                  <a:srgbClr val="C7243A"/>
                 </a:solidFill>
                 <a:latin typeface="Arial"/>
               </a:rPr>
               <a:t>Click to edit the title text format</a:t>
             </a:r>
-            <a:endParaRPr b="0" lang="en-IN" sz="4400" spc="-1" strike="noStrike">
-              <a:solidFill>
-                <a:srgbClr val="c7243a"/>
-              </a:solidFill>
-              <a:latin typeface="Arial"/>
-            </a:endParaRPr>
           </a:p>
         </p:txBody>
       </p:sp>
@@ -3326,9 +3533,10 @@
           </a:prstGeom>
         </p:spPr>
         <p:txBody>
-          <a:bodyPr lIns="0" rIns="0" tIns="0" bIns="0">
+          <a:bodyPr lIns="0" tIns="0" rIns="0" bIns="0">
             <a:normAutofit/>
           </a:bodyPr>
+          <a:lstStyle/>
           <a:p>
             <a:pPr marL="432000" indent="-324000">
               <a:spcAft>
@@ -3342,17 +3550,14 @@
               <a:buChar char=""/>
             </a:pPr>
             <a:r>
-              <a:rPr b="0" lang="en-IN" sz="3200" spc="-1" strike="noStrike">
+              <a:rPr lang="en-IN" sz="3200" b="0" strike="noStrike" spc="-1">
                 <a:latin typeface="Arial"/>
               </a:rPr>
               <a:t>Click to edit the outline text format</a:t>
             </a:r>
-            <a:endParaRPr b="0" lang="en-IN" sz="3200" spc="-1" strike="noStrike">
-              <a:latin typeface="Arial"/>
-            </a:endParaRPr>
-          </a:p>
-          <a:p>
-            <a:pPr lvl="1" marL="864000" indent="-324000">
+          </a:p>
+          <a:p>
+            <a:pPr marL="864000" lvl="1" indent="-324000">
               <a:spcAft>
                 <a:spcPts val="1134"/>
               </a:spcAft>
@@ -3364,17 +3569,14 @@
               <a:buChar char=""/>
             </a:pPr>
             <a:r>
-              <a:rPr b="0" lang="en-IN" sz="2800" spc="-1" strike="noStrike">
+              <a:rPr lang="en-IN" sz="2800" b="0" strike="noStrike" spc="-1">
                 <a:latin typeface="Arial"/>
               </a:rPr>
               <a:t>Second Outline Level</a:t>
             </a:r>
-            <a:endParaRPr b="0" lang="en-IN" sz="2800" spc="-1" strike="noStrike">
-              <a:latin typeface="Arial"/>
-            </a:endParaRPr>
-          </a:p>
-          <a:p>
-            <a:pPr lvl="2" marL="1296000" indent="-288000">
+          </a:p>
+          <a:p>
+            <a:pPr marL="1296000" lvl="2" indent="-288000">
               <a:spcAft>
                 <a:spcPts val="850"/>
               </a:spcAft>
@@ -3386,17 +3588,14 @@
               <a:buChar char=""/>
             </a:pPr>
             <a:r>
-              <a:rPr b="0" lang="en-IN" sz="2400" spc="-1" strike="noStrike">
+              <a:rPr lang="en-IN" sz="2400" b="0" strike="noStrike" spc="-1">
                 <a:latin typeface="Arial"/>
               </a:rPr>
               <a:t>Third Outline Level</a:t>
             </a:r>
-            <a:endParaRPr b="0" lang="en-IN" sz="2400" spc="-1" strike="noStrike">
-              <a:latin typeface="Arial"/>
-            </a:endParaRPr>
-          </a:p>
-          <a:p>
-            <a:pPr lvl="3" marL="1728000" indent="-216000">
+          </a:p>
+          <a:p>
+            <a:pPr marL="1728000" lvl="3" indent="-216000">
               <a:spcAft>
                 <a:spcPts val="567"/>
               </a:spcAft>
@@ -3408,17 +3607,14 @@
               <a:buChar char=""/>
             </a:pPr>
             <a:r>
-              <a:rPr b="0" lang="en-IN" sz="2000" spc="-1" strike="noStrike">
+              <a:rPr lang="en-IN" sz="2000" b="0" strike="noStrike" spc="-1">
                 <a:latin typeface="Arial"/>
               </a:rPr>
               <a:t>Fourth Outline Level</a:t>
             </a:r>
-            <a:endParaRPr b="0" lang="en-IN" sz="2000" spc="-1" strike="noStrike">
-              <a:latin typeface="Arial"/>
-            </a:endParaRPr>
-          </a:p>
-          <a:p>
-            <a:pPr lvl="4" marL="2160000" indent="-216000">
+          </a:p>
+          <a:p>
+            <a:pPr marL="2160000" lvl="4" indent="-216000">
               <a:spcAft>
                 <a:spcPts val="283"/>
               </a:spcAft>
@@ -3430,17 +3626,14 @@
               <a:buChar char=""/>
             </a:pPr>
             <a:r>
-              <a:rPr b="0" lang="en-IN" sz="2000" spc="-1" strike="noStrike">
+              <a:rPr lang="en-IN" sz="2000" b="0" strike="noStrike" spc="-1">
                 <a:latin typeface="Arial"/>
               </a:rPr>
               <a:t>Fifth Outline Level</a:t>
             </a:r>
-            <a:endParaRPr b="0" lang="en-IN" sz="2000" spc="-1" strike="noStrike">
-              <a:latin typeface="Arial"/>
-            </a:endParaRPr>
-          </a:p>
-          <a:p>
-            <a:pPr lvl="5" marL="2592000" indent="-216000">
+          </a:p>
+          <a:p>
+            <a:pPr marL="2592000" lvl="5" indent="-216000">
               <a:spcAft>
                 <a:spcPts val="283"/>
               </a:spcAft>
@@ -3452,17 +3645,14 @@
               <a:buChar char=""/>
             </a:pPr>
             <a:r>
-              <a:rPr b="0" lang="en-IN" sz="2000" spc="-1" strike="noStrike">
+              <a:rPr lang="en-IN" sz="2000" b="0" strike="noStrike" spc="-1">
                 <a:latin typeface="Arial"/>
               </a:rPr>
               <a:t>Sixth Outline Level</a:t>
             </a:r>
-            <a:endParaRPr b="0" lang="en-IN" sz="2000" spc="-1" strike="noStrike">
-              <a:latin typeface="Arial"/>
-            </a:endParaRPr>
-          </a:p>
-          <a:p>
-            <a:pPr lvl="6" marL="3024000" indent="-216000">
+          </a:p>
+          <a:p>
+            <a:pPr marL="3024000" lvl="6" indent="-216000">
               <a:spcAft>
                 <a:spcPts val="283"/>
               </a:spcAft>
@@ -3474,14 +3664,11 @@
               <a:buChar char=""/>
             </a:pPr>
             <a:r>
-              <a:rPr b="0" lang="en-IN" sz="2000" spc="-1" strike="noStrike">
+              <a:rPr lang="en-IN" sz="2000" b="0" strike="noStrike" spc="-1">
                 <a:latin typeface="Arial"/>
               </a:rPr>
               <a:t>Seventh Outline Level</a:t>
             </a:r>
-            <a:endParaRPr b="0" lang="en-IN" sz="2000" spc="-1" strike="noStrike">
-              <a:latin typeface="Arial"/>
-            </a:endParaRPr>
           </a:p>
         </p:txBody>
       </p:sp>
@@ -3505,19 +3692,17 @@
           </a:prstGeom>
         </p:spPr>
         <p:txBody>
-          <a:bodyPr lIns="0" rIns="0" tIns="0" bIns="0">
+          <a:bodyPr lIns="0" tIns="0" rIns="0" bIns="0">
             <a:noAutofit/>
           </a:bodyPr>
-          <a:p>
-            <a:r>
-              <a:rPr b="0" lang="en-IN" sz="1400" spc="-1" strike="noStrike">
+          <a:lstStyle/>
+          <a:p>
+            <a:r>
+              <a:rPr lang="en-IN" sz="1400" b="0" strike="noStrike" spc="-1">
                 <a:latin typeface="Arial"/>
               </a:rPr>
               <a:t>&lt;date/time&gt;</a:t>
             </a:r>
-            <a:endParaRPr b="0" lang="en-IN" sz="1400" spc="-1" strike="noStrike">
-              <a:latin typeface="Arial"/>
-            </a:endParaRPr>
           </a:p>
         </p:txBody>
       </p:sp>
@@ -3541,20 +3726,21 @@
           </a:ln>
         </p:spPr>
         <p:txBody>
-          <a:bodyPr lIns="0" rIns="0" tIns="0" bIns="0">
+          <a:bodyPr lIns="0" tIns="0" rIns="0" bIns="0">
             <a:noAutofit/>
           </a:bodyPr>
-          <a:p>
-            <a:r>
-              <a:rPr b="0" lang="en-IN" sz="1400" spc="-1" strike="noStrike">
+          <a:lstStyle/>
+          <a:p>
+            <a:r>
+              <a:rPr lang="en-IN" sz="1400" b="0" strike="noStrike" spc="-1">
                 <a:solidFill>
-                  <a:srgbClr val="ffffff"/>
+                  <a:srgbClr val="FFFFFF"/>
                 </a:solidFill>
                 <a:latin typeface="Arial"/>
               </a:rPr>
               <a:t>&lt;date/time&gt;</a:t>
             </a:r>
-            <a:endParaRPr b="0" lang="en-IN" sz="1400" spc="-1" strike="noStrike">
+            <a:endParaRPr lang="en-IN" sz="1400" b="0" strike="noStrike" spc="-1">
               <a:latin typeface="Arial"/>
             </a:endParaRPr>
           </a:p>
@@ -3580,21 +3766,22 @@
           </a:ln>
         </p:spPr>
         <p:txBody>
-          <a:bodyPr lIns="0" rIns="0" tIns="0" bIns="0">
+          <a:bodyPr lIns="0" tIns="0" rIns="0" bIns="0">
             <a:noAutofit/>
           </a:bodyPr>
+          <a:lstStyle/>
           <a:p>
             <a:pPr algn="ctr"/>
             <a:r>
-              <a:rPr b="0" lang="en-IN" sz="1400" spc="-1" strike="noStrike">
+              <a:rPr lang="en-IN" sz="1400" b="0" strike="noStrike" spc="-1">
                 <a:solidFill>
-                  <a:srgbClr val="ffffff"/>
+                  <a:srgbClr val="FFFFFF"/>
                 </a:solidFill>
                 <a:latin typeface="Arial"/>
               </a:rPr>
               <a:t>&lt;footer&gt;</a:t>
             </a:r>
-            <a:endParaRPr b="0" lang="en-IN" sz="1400" spc="-1" strike="noStrike">
+            <a:endParaRPr lang="en-IN" sz="1400" b="0" strike="noStrike" spc="-1">
               <a:latin typeface="Arial"/>
             </a:endParaRPr>
           </a:p>
@@ -3620,21 +3807,23 @@
           </a:ln>
         </p:spPr>
         <p:txBody>
-          <a:bodyPr lIns="0" rIns="0" tIns="0" bIns="0">
+          <a:bodyPr lIns="0" tIns="0" rIns="0" bIns="0">
             <a:noAutofit/>
           </a:bodyPr>
+          <a:lstStyle/>
           <a:p>
             <a:pPr algn="r"/>
             <a:fld id="{500A3F9A-730E-421A-B327-4C54D794CEBF}" type="slidenum">
-              <a:rPr b="0" lang="en-IN" sz="1400" spc="-1" strike="noStrike">
+              <a:rPr lang="en-IN" sz="1400" b="0" strike="noStrike" spc="-1">
                 <a:solidFill>
-                  <a:srgbClr val="ffffff"/>
+                  <a:srgbClr val="FFFFFF"/>
                 </a:solidFill>
                 <a:latin typeface="Arial"/>
               </a:rPr>
-              <a:t>&lt;number&gt;</a:t>
+              <a:pPr algn="r"/>
+              <a:t>‹#›</a:t>
             </a:fld>
-            <a:endParaRPr b="0" lang="en-IN" sz="1400" spc="-1" strike="noStrike">
+            <a:endParaRPr lang="en-IN" sz="1400" b="0" strike="noStrike" spc="-1">
               <a:latin typeface="Arial"/>
             </a:endParaRPr>
           </a:p>
@@ -3642,26 +3831,31 @@
       </p:sp>
     </p:spTree>
   </p:cSld>
-  <p:clrMap bg1="lt1" bg2="lt2" tx1="dk1" tx2="dk2" accent1="accent1" accent2="accent2" accent3="accent3" accent4="accent4" accent5="accent5" accent6="accent6" hlink="hlink" folHlink="folHlink"/>
+  <p:clrMap bg1="lt1" tx1="dk1" bg2="lt2" tx2="dk2" accent1="accent1" accent2="accent2" accent3="accent3" accent4="accent4" accent5="accent5" accent6="accent6" hlink="hlink" folHlink="folHlink"/>
   <p:sldLayoutIdLst>
-    <p:sldLayoutId id="2147483662" r:id="rId4"/>
-    <p:sldLayoutId id="2147483663" r:id="rId5"/>
-    <p:sldLayoutId id="2147483664" r:id="rId6"/>
-    <p:sldLayoutId id="2147483665" r:id="rId7"/>
-    <p:sldLayoutId id="2147483666" r:id="rId8"/>
-    <p:sldLayoutId id="2147483667" r:id="rId9"/>
-    <p:sldLayoutId id="2147483668" r:id="rId10"/>
-    <p:sldLayoutId id="2147483669" r:id="rId11"/>
-    <p:sldLayoutId id="2147483670" r:id="rId12"/>
-    <p:sldLayoutId id="2147483671" r:id="rId13"/>
-    <p:sldLayoutId id="2147483672" r:id="rId14"/>
-    <p:sldLayoutId id="2147483673" r:id="rId15"/>
+    <p:sldLayoutId id="2147483662" r:id="rId1"/>
+    <p:sldLayoutId id="2147483663" r:id="rId2"/>
+    <p:sldLayoutId id="2147483664" r:id="rId3"/>
+    <p:sldLayoutId id="2147483665" r:id="rId4"/>
+    <p:sldLayoutId id="2147483666" r:id="rId5"/>
+    <p:sldLayoutId id="2147483667" r:id="rId6"/>
+    <p:sldLayoutId id="2147483668" r:id="rId7"/>
+    <p:sldLayoutId id="2147483669" r:id="rId8"/>
+    <p:sldLayoutId id="2147483670" r:id="rId9"/>
+    <p:sldLayoutId id="2147483671" r:id="rId10"/>
+    <p:sldLayoutId id="2147483672" r:id="rId11"/>
+    <p:sldLayoutId id="2147483673" r:id="rId12"/>
   </p:sldLayoutIdLst>
+  <p:txStyles>
+    <p:titleStyle/>
+    <p:bodyStyle/>
+    <p:otherStyle/>
+  </p:txStyles>
 </p:sldMaster>
 </file>
 
 <file path=ppt/slides/slide1.xml><?xml version="1.0" encoding="utf-8"?>
-<p:sld xmlns:a="http://schemas.openxmlformats.org/drawingml/2006/main" xmlns:p="http://schemas.openxmlformats.org/presentationml/2006/main" xmlns:r="http://schemas.openxmlformats.org/officeDocument/2006/relationships" xmlns:p14="http://schemas.microsoft.com/office/powerpoint/2010/main" xmlns:p15="http://schemas.microsoft.com/office/powerpoint/2012/main" xmlns:mc="http://schemas.openxmlformats.org/markup-compatibility/2006">
+<p:sld xmlns:a="http://schemas.openxmlformats.org/drawingml/2006/main" xmlns:r="http://schemas.openxmlformats.org/officeDocument/2006/relationships" xmlns:p="http://schemas.openxmlformats.org/presentationml/2006/main">
   <p:cSld>
     <p:spTree>
       <p:nvGrpSpPr>
@@ -3686,38 +3880,33 @@
         <p:spPr>
           <a:xfrm>
             <a:off x="7920" y="648000"/>
-            <a:ext cx="9071640" cy="2736000"/>
+            <a:ext cx="9071640" cy="2330151"/>
           </a:xfrm>
           <a:prstGeom prst="rect">
             <a:avLst/>
           </a:prstGeom>
           <a:solidFill>
-            <a:srgbClr val="c7243a"/>
+            <a:srgbClr val="C7243A"/>
           </a:solidFill>
           <a:ln>
             <a:noFill/>
           </a:ln>
         </p:spPr>
         <p:txBody>
-          <a:bodyPr lIns="72000" rIns="0" tIns="0" bIns="0" anchor="ctr">
+          <a:bodyPr lIns="72000" tIns="0" rIns="0" bIns="0" anchor="ctr">
             <a:noAutofit/>
           </a:bodyPr>
-          <a:p>
-            <a:r>
-              <a:rPr b="0" lang="en-IN" sz="4400" spc="-1" strike="noStrike">
+          <a:lstStyle/>
+          <a:p>
+            <a:r>
+              <a:rPr lang="en-IN" sz="4400" b="0" strike="noStrike" spc="-1">
                 <a:solidFill>
-                  <a:srgbClr val="ffffff"/>
+                  <a:srgbClr val="FFFFFF"/>
                 </a:solidFill>
                 <a:latin typeface="Arial"/>
               </a:rPr>
               <a:t>Analyzing amazon reviews to predict fake reviews</a:t>
             </a:r>
-            <a:endParaRPr b="0" lang="en-IN" sz="4400" spc="-1" strike="noStrike">
-              <a:solidFill>
-                <a:srgbClr val="ffffff"/>
-              </a:solidFill>
-              <a:latin typeface="Arial"/>
-            </a:endParaRPr>
           </a:p>
         </p:txBody>
       </p:sp>
@@ -3729,8 +3918,8 @@
         </p:nvSpPr>
         <p:spPr>
           <a:xfrm>
-            <a:off x="0" y="3600000"/>
-            <a:ext cx="10080000" cy="1823400"/>
+            <a:off x="0" y="3192465"/>
+            <a:ext cx="9469468" cy="1714513"/>
           </a:xfrm>
           <a:prstGeom prst="rect">
             <a:avLst/>
@@ -3741,30 +3930,97 @@
           </a:ln>
         </p:spPr>
         <p:txBody>
-          <a:bodyPr lIns="0" rIns="0" tIns="0" bIns="0">
+          <a:bodyPr lIns="0" tIns="0" rIns="0" bIns="0">
             <a:noAutofit/>
           </a:bodyPr>
-          <a:p>
-            <a:pPr algn="ctr"/>
-            <a:r>
-              <a:rPr b="0" lang="en-IN" sz="2800" spc="-1" strike="noStrike">
+          <a:lstStyle/>
+          <a:p>
+            <a:pPr algn="r"/>
+            <a:r>
+              <a:rPr lang="en-IN" sz="2000" b="0" strike="noStrike" spc="-1" dirty="0" smtClean="0">
                 <a:latin typeface="Arial"/>
               </a:rPr>
-              <a:t>By,</a:t>
-            </a:r>
-            <a:endParaRPr b="0" lang="en-IN" sz="2800" spc="-1" strike="noStrike">
-              <a:latin typeface="Arial"/>
-            </a:endParaRPr>
-          </a:p>
-          <a:p>
-            <a:pPr algn="ctr"/>
-            <a:r>
-              <a:rPr b="0" lang="en-IN" sz="2800" spc="-1" strike="noStrike">
+              <a:t>By:</a:t>
+            </a:r>
+            <a:endParaRPr lang="en-IN" sz="2000" b="0" strike="noStrike" spc="-1" dirty="0">
+              <a:latin typeface="Arial"/>
+            </a:endParaRPr>
+          </a:p>
+          <a:p>
+            <a:pPr algn="r"/>
+            <a:r>
+              <a:rPr lang="en-IN" sz="2000" b="0" strike="noStrike" spc="-1" dirty="0" err="1">
                 <a:latin typeface="Arial"/>
               </a:rPr>
-              <a:t>Aravind Krishnan,Ashwin Valiyappan, VigneshBalaji SA</a:t>
-            </a:r>
-            <a:endParaRPr b="0" lang="en-IN" sz="2800" spc="-1" strike="noStrike">
+              <a:t>Aravind</a:t>
+            </a:r>
+            <a:r>
+              <a:rPr lang="en-IN" sz="2000" b="0" strike="noStrike" spc="-1" dirty="0">
+                <a:latin typeface="Arial"/>
+              </a:rPr>
+              <a:t> </a:t>
+            </a:r>
+            <a:r>
+              <a:rPr lang="en-IN" sz="2000" b="0" strike="noStrike" spc="-1" dirty="0" smtClean="0">
+                <a:latin typeface="Arial"/>
+              </a:rPr>
+              <a:t>Krishnan</a:t>
+            </a:r>
+          </a:p>
+          <a:p>
+            <a:pPr algn="r"/>
+            <a:r>
+              <a:rPr lang="en-IN" sz="2000" b="0" strike="noStrike" spc="-1" dirty="0" err="1" smtClean="0">
+                <a:latin typeface="Arial"/>
+              </a:rPr>
+              <a:t>Ashwin</a:t>
+            </a:r>
+            <a:r>
+              <a:rPr lang="en-IN" sz="2000" b="0" strike="noStrike" spc="-1" dirty="0" smtClean="0">
+                <a:latin typeface="Arial"/>
+              </a:rPr>
+              <a:t> </a:t>
+            </a:r>
+            <a:r>
+              <a:rPr lang="en-IN" sz="2000" b="0" strike="noStrike" spc="-1" dirty="0" err="1">
+                <a:latin typeface="Arial"/>
+              </a:rPr>
+              <a:t>Valiyappan</a:t>
+            </a:r>
+            <a:r>
+              <a:rPr lang="en-IN" sz="2000" b="0" strike="noStrike" spc="-1" dirty="0">
+                <a:latin typeface="Arial"/>
+              </a:rPr>
+              <a:t>, </a:t>
+            </a:r>
+            <a:endParaRPr lang="en-IN" sz="2000" b="0" strike="noStrike" spc="-1" dirty="0" smtClean="0">
+              <a:latin typeface="Arial"/>
+            </a:endParaRPr>
+          </a:p>
+          <a:p>
+            <a:pPr algn="r"/>
+            <a:r>
+              <a:rPr lang="en-IN" sz="2000" b="0" strike="noStrike" spc="-1" dirty="0" smtClean="0">
+                <a:latin typeface="Arial"/>
+              </a:rPr>
+              <a:t>Vighneshbalaji SA</a:t>
+            </a:r>
+          </a:p>
+          <a:p>
+            <a:pPr algn="r"/>
+            <a:r>
+              <a:rPr lang="en-IN" sz="2000" spc="-1" dirty="0"/>
+              <a:t>Git</a:t>
+            </a:r>
+            <a:r>
+              <a:rPr lang="en-IN" sz="2000" spc="-1" dirty="0" smtClean="0"/>
+              <a:t>: https</a:t>
+            </a:r>
+            <a:r>
+              <a:rPr lang="en-IN" sz="2000" spc="-1" dirty="0"/>
+              <a:t>://github.com/mcsoverlavdan/SparkProject</a:t>
+            </a:r>
+            <a:endParaRPr lang="en-IN" sz="2000" b="0" strike="noStrike" spc="-1" dirty="0">
               <a:latin typeface="Arial"/>
             </a:endParaRPr>
           </a:p>
@@ -3772,8 +4028,11 @@
       </p:sp>
     </p:spTree>
   </p:cSld>
-  <mc:AlternateContent>
-    <mc:Choice Requires="p14">
+  <p:clrMapOvr>
+    <a:masterClrMapping/>
+  </p:clrMapOvr>
+  <mc:AlternateContent xmlns:mc="http://schemas.openxmlformats.org/markup-compatibility/2006">
+    <mc:Choice xmlns:p15="http://schemas.microsoft.com/office/powerpoint/2012/main" xmlns:p14="http://schemas.microsoft.com/office/powerpoint/2010/main" xmlns="" Requires="p14">
       <p:transition spd="slow" p14:dur="2000"/>
     </mc:Choice>
     <mc:Fallback>
@@ -3784,7 +4043,7 @@
 </file>
 
 <file path=ppt/slides/slide2.xml><?xml version="1.0" encoding="utf-8"?>
-<p:sld xmlns:a="http://schemas.openxmlformats.org/drawingml/2006/main" xmlns:p="http://schemas.openxmlformats.org/presentationml/2006/main" xmlns:r="http://schemas.openxmlformats.org/officeDocument/2006/relationships" xmlns:p14="http://schemas.microsoft.com/office/powerpoint/2010/main" xmlns:p15="http://schemas.microsoft.com/office/powerpoint/2012/main" xmlns:mc="http://schemas.openxmlformats.org/markup-compatibility/2006">
+<p:sld xmlns:a="http://schemas.openxmlformats.org/drawingml/2006/main" xmlns:r="http://schemas.openxmlformats.org/officeDocument/2006/relationships" xmlns:p="http://schemas.openxmlformats.org/presentationml/2006/main">
   <p:cSld>
     <p:spTree>
       <p:nvGrpSpPr>
@@ -3802,7 +4061,7 @@
       </p:grpSpPr>
       <p:sp>
         <p:nvSpPr>
-          <p:cNvPr id="89" name="TextShape 1"/>
+          <p:cNvPr id="93" name="TextShape 1"/>
           <p:cNvSpPr txBox="1"/>
           <p:nvPr/>
         </p:nvSpPr>
@@ -3820,188 +4079,50 @@
           </a:ln>
         </p:spPr>
         <p:txBody>
-          <a:bodyPr lIns="0" rIns="0" tIns="0" bIns="0" anchor="ctr">
+          <a:bodyPr lIns="0" tIns="0" rIns="0" bIns="0" anchor="ctr">
             <a:noAutofit/>
           </a:bodyPr>
-          <a:p>
-            <a:endParaRPr b="0" lang="en-IN" sz="4400" spc="-1" strike="noStrike">
+          <a:lstStyle/>
+          <a:p>
+            <a:endParaRPr lang="en-IN" sz="4400" b="0" strike="noStrike" spc="-1">
               <a:solidFill>
-                <a:srgbClr val="c7243a"/>
+                <a:srgbClr val="C7243A"/>
               </a:solidFill>
               <a:latin typeface="Arial"/>
             </a:endParaRPr>
           </a:p>
         </p:txBody>
       </p:sp>
-      <p:sp>
-        <p:nvSpPr>
-          <p:cNvPr id="90" name="CustomShape 2"/>
-          <p:cNvSpPr/>
+      <p:pic>
+        <p:nvPicPr>
+          <p:cNvPr id="94" name="Picture 93"/>
+          <p:cNvPicPr/>
           <p:nvPr/>
-        </p:nvSpPr>
-        <p:spPr>
-          <a:xfrm>
-            <a:off x="1152000" y="2160000"/>
-            <a:ext cx="2736000" cy="2160000"/>
-          </a:xfrm>
-          <a:custGeom>
-            <a:avLst/>
-            <a:gdLst/>
-            <a:ahLst/>
-            <a:rect l="0" t="0" r="r" b="b"/>
-            <a:pathLst>
-              <a:path w="7601" h="6002">
-                <a:moveTo>
-                  <a:pt x="0" y="0"/>
-                </a:moveTo>
-                <a:lnTo>
-                  <a:pt x="5700" y="0"/>
-                </a:lnTo>
-                <a:lnTo>
-                  <a:pt x="7600" y="3000"/>
-                </a:lnTo>
-                <a:lnTo>
-                  <a:pt x="5700" y="6001"/>
-                </a:lnTo>
-                <a:lnTo>
-                  <a:pt x="0" y="6001"/>
-                </a:lnTo>
-                <a:lnTo>
-                  <a:pt x="0" y="0"/>
-                </a:lnTo>
-              </a:path>
-            </a:pathLst>
-          </a:custGeom>
-          <a:solidFill>
-            <a:srgbClr val="c7243a"/>
-          </a:solidFill>
+        </p:nvPicPr>
+        <p:blipFill>
+          <a:blip r:embed="rId2"/>
+          <a:stretch/>
+        </p:blipFill>
+        <p:spPr>
+          <a:xfrm>
+            <a:off x="360000" y="360000"/>
+            <a:ext cx="9432000" cy="4896000"/>
+          </a:xfrm>
+          <a:prstGeom prst="rect">
+            <a:avLst/>
+          </a:prstGeom>
           <a:ln>
             <a:noFill/>
           </a:ln>
         </p:spPr>
-        <p:style>
-          <a:lnRef idx="0"/>
-          <a:fillRef idx="0"/>
-          <a:effectRef idx="0"/>
-          <a:fontRef idx="minor"/>
-        </p:style>
-      </p:sp>
-      <p:sp>
-        <p:nvSpPr>
-          <p:cNvPr id="91" name="CustomShape 3"/>
-          <p:cNvSpPr/>
-          <p:nvPr/>
-        </p:nvSpPr>
-        <p:spPr>
-          <a:xfrm>
-            <a:off x="3672000" y="2160000"/>
-            <a:ext cx="2808000" cy="2160000"/>
-          </a:xfrm>
-          <a:custGeom>
-            <a:avLst/>
-            <a:gdLst/>
-            <a:ahLst/>
-            <a:rect l="0" t="0" r="r" b="b"/>
-            <a:pathLst>
-              <a:path w="7802" h="6002">
-                <a:moveTo>
-                  <a:pt x="0" y="0"/>
-                </a:moveTo>
-                <a:lnTo>
-                  <a:pt x="5850" y="0"/>
-                </a:lnTo>
-                <a:lnTo>
-                  <a:pt x="7801" y="3000"/>
-                </a:lnTo>
-                <a:lnTo>
-                  <a:pt x="5850" y="6001"/>
-                </a:lnTo>
-                <a:lnTo>
-                  <a:pt x="0" y="6001"/>
-                </a:lnTo>
-                <a:lnTo>
-                  <a:pt x="1950" y="3000"/>
-                </a:lnTo>
-                <a:lnTo>
-                  <a:pt x="0" y="0"/>
-                </a:lnTo>
-              </a:path>
-            </a:pathLst>
-          </a:custGeom>
-          <a:solidFill>
-            <a:srgbClr val="edad0b"/>
-          </a:solidFill>
-          <a:ln>
-            <a:noFill/>
-          </a:ln>
-        </p:spPr>
-        <p:style>
-          <a:lnRef idx="0"/>
-          <a:fillRef idx="0"/>
-          <a:effectRef idx="0"/>
-          <a:fontRef idx="minor"/>
-        </p:style>
-      </p:sp>
-      <p:sp>
-        <p:nvSpPr>
-          <p:cNvPr id="92" name="CustomShape 4"/>
-          <p:cNvSpPr/>
-          <p:nvPr/>
-        </p:nvSpPr>
-        <p:spPr>
-          <a:xfrm>
-            <a:off x="6229440" y="2160000"/>
-            <a:ext cx="2808000" cy="2160000"/>
-          </a:xfrm>
-          <a:custGeom>
-            <a:avLst/>
-            <a:gdLst/>
-            <a:ahLst/>
-            <a:rect l="0" t="0" r="r" b="b"/>
-            <a:pathLst>
-              <a:path w="7802" h="6002">
-                <a:moveTo>
-                  <a:pt x="0" y="0"/>
-                </a:moveTo>
-                <a:lnTo>
-                  <a:pt x="5850" y="0"/>
-                </a:lnTo>
-                <a:lnTo>
-                  <a:pt x="7801" y="3000"/>
-                </a:lnTo>
-                <a:lnTo>
-                  <a:pt x="5850" y="6001"/>
-                </a:lnTo>
-                <a:lnTo>
-                  <a:pt x="0" y="6001"/>
-                </a:lnTo>
-                <a:lnTo>
-                  <a:pt x="1950" y="3000"/>
-                </a:lnTo>
-                <a:lnTo>
-                  <a:pt x="0" y="0"/>
-                </a:lnTo>
-              </a:path>
-            </a:pathLst>
-          </a:custGeom>
-          <a:solidFill>
-            <a:srgbClr val="009f8c"/>
-          </a:solidFill>
-          <a:ln>
-            <a:noFill/>
-          </a:ln>
-        </p:spPr>
-        <p:style>
-          <a:lnRef idx="0"/>
-          <a:fillRef idx="0"/>
-          <a:effectRef idx="0"/>
-          <a:fontRef idx="minor"/>
-        </p:style>
-      </p:sp>
+      </p:pic>
     </p:spTree>
   </p:cSld>
-  <mc:AlternateContent>
-    <mc:Choice Requires="p14">
+  <p:clrMapOvr>
+    <a:masterClrMapping/>
+  </p:clrMapOvr>
+  <mc:AlternateContent xmlns:mc="http://schemas.openxmlformats.org/markup-compatibility/2006">
+    <mc:Choice xmlns:p15="http://schemas.microsoft.com/office/powerpoint/2012/main" xmlns:p14="http://schemas.microsoft.com/office/powerpoint/2010/main" xmlns="" Requires="p14">
       <p:transition spd="slow" p14:dur="2000"/>
     </mc:Choice>
     <mc:Fallback>
@@ -4012,93 +4133,7 @@
 </file>
 
 <file path=ppt/slides/slide3.xml><?xml version="1.0" encoding="utf-8"?>
-<p:sld xmlns:a="http://schemas.openxmlformats.org/drawingml/2006/main" xmlns:p="http://schemas.openxmlformats.org/presentationml/2006/main" xmlns:r="http://schemas.openxmlformats.org/officeDocument/2006/relationships" xmlns:p14="http://schemas.microsoft.com/office/powerpoint/2010/main" xmlns:p15="http://schemas.microsoft.com/office/powerpoint/2012/main" xmlns:mc="http://schemas.openxmlformats.org/markup-compatibility/2006">
-  <p:cSld>
-    <p:spTree>
-      <p:nvGrpSpPr>
-        <p:cNvPr id="1" name=""/>
-        <p:cNvGrpSpPr/>
-        <p:nvPr/>
-      </p:nvGrpSpPr>
-      <p:grpSpPr>
-        <a:xfrm>
-          <a:off x="0" y="0"/>
-          <a:ext cx="0" cy="0"/>
-          <a:chOff x="0" y="0"/>
-          <a:chExt cx="0" cy="0"/>
-        </a:xfrm>
-      </p:grpSpPr>
-      <p:sp>
-        <p:nvSpPr>
-          <p:cNvPr id="93" name="TextShape 1"/>
-          <p:cNvSpPr txBox="1"/>
-          <p:nvPr/>
-        </p:nvSpPr>
-        <p:spPr>
-          <a:xfrm>
-            <a:off x="504000" y="565560"/>
-            <a:ext cx="9071640" cy="946440"/>
-          </a:xfrm>
-          <a:prstGeom prst="rect">
-            <a:avLst/>
-          </a:prstGeom>
-          <a:noFill/>
-          <a:ln>
-            <a:noFill/>
-          </a:ln>
-        </p:spPr>
-        <p:txBody>
-          <a:bodyPr lIns="0" rIns="0" tIns="0" bIns="0" anchor="ctr">
-            <a:noAutofit/>
-          </a:bodyPr>
-          <a:p>
-            <a:endParaRPr b="0" lang="en-IN" sz="4400" spc="-1" strike="noStrike">
-              <a:solidFill>
-                <a:srgbClr val="c7243a"/>
-              </a:solidFill>
-              <a:latin typeface="Arial"/>
-            </a:endParaRPr>
-          </a:p>
-        </p:txBody>
-      </p:sp>
-      <p:pic>
-        <p:nvPicPr>
-          <p:cNvPr id="94" name="" descr=""/>
-          <p:cNvPicPr/>
-          <p:nvPr/>
-        </p:nvPicPr>
-        <p:blipFill>
-          <a:blip r:embed="rId1"/>
-          <a:stretch/>
-        </p:blipFill>
-        <p:spPr>
-          <a:xfrm>
-            <a:off x="360000" y="360000"/>
-            <a:ext cx="9432000" cy="4896000"/>
-          </a:xfrm>
-          <a:prstGeom prst="rect">
-            <a:avLst/>
-          </a:prstGeom>
-          <a:ln>
-            <a:noFill/>
-          </a:ln>
-        </p:spPr>
-      </p:pic>
-    </p:spTree>
-  </p:cSld>
-  <mc:AlternateContent>
-    <mc:Choice Requires="p14">
-      <p:transition spd="slow" p14:dur="2000"/>
-    </mc:Choice>
-    <mc:Fallback>
-      <p:transition spd="slow"/>
-    </mc:Fallback>
-  </mc:AlternateContent>
-</p:sld>
-</file>
-
-<file path=ppt/slides/slide4.xml><?xml version="1.0" encoding="utf-8"?>
-<p:sld xmlns:a="http://schemas.openxmlformats.org/drawingml/2006/main" xmlns:p="http://schemas.openxmlformats.org/presentationml/2006/main" xmlns:r="http://schemas.openxmlformats.org/officeDocument/2006/relationships" xmlns:p14="http://schemas.microsoft.com/office/powerpoint/2010/main" xmlns:p15="http://schemas.microsoft.com/office/powerpoint/2012/main" xmlns:mc="http://schemas.openxmlformats.org/markup-compatibility/2006">
+<p:sld xmlns:a="http://schemas.openxmlformats.org/drawingml/2006/main" xmlns:r="http://schemas.openxmlformats.org/officeDocument/2006/relationships" xmlns:p="http://schemas.openxmlformats.org/presentationml/2006/main">
   <p:cSld>
     <p:spTree>
       <p:nvGrpSpPr>
@@ -4116,12 +4151,12 @@
       </p:grpSpPr>
       <p:pic>
         <p:nvPicPr>
-          <p:cNvPr id="95" name="" descr=""/>
+          <p:cNvPr id="95" name="Picture 94"/>
           <p:cNvPicPr/>
           <p:nvPr/>
         </p:nvPicPr>
         <p:blipFill>
-          <a:blip r:embed="rId1"/>
+          <a:blip r:embed="rId2"/>
           <a:stretch/>
         </p:blipFill>
         <p:spPr>
@@ -4139,8 +4174,11 @@
       </p:pic>
     </p:spTree>
   </p:cSld>
-  <mc:AlternateContent>
-    <mc:Choice Requires="p14">
+  <p:clrMapOvr>
+    <a:masterClrMapping/>
+  </p:clrMapOvr>
+  <mc:AlternateContent xmlns:mc="http://schemas.openxmlformats.org/markup-compatibility/2006">
+    <mc:Choice xmlns:p15="http://schemas.microsoft.com/office/powerpoint/2012/main" xmlns:p14="http://schemas.microsoft.com/office/powerpoint/2010/main" xmlns="" Requires="p14">
       <p:transition spd="slow" p14:dur="2000"/>
     </mc:Choice>
     <mc:Fallback>
@@ -4150,8 +4188,8 @@
 </p:sld>
 </file>
 
-<file path=ppt/slides/slide5.xml><?xml version="1.0" encoding="utf-8"?>
-<p:sld xmlns:a="http://schemas.openxmlformats.org/drawingml/2006/main" xmlns:p="http://schemas.openxmlformats.org/presentationml/2006/main" xmlns:r="http://schemas.openxmlformats.org/officeDocument/2006/relationships" xmlns:p14="http://schemas.microsoft.com/office/powerpoint/2010/main" xmlns:p15="http://schemas.microsoft.com/office/powerpoint/2012/main" xmlns:mc="http://schemas.openxmlformats.org/markup-compatibility/2006">
+<file path=ppt/slides/slide4.xml><?xml version="1.0" encoding="utf-8"?>
+<p:sld xmlns:a="http://schemas.openxmlformats.org/drawingml/2006/main" xmlns:r="http://schemas.openxmlformats.org/officeDocument/2006/relationships" xmlns:p="http://schemas.openxmlformats.org/presentationml/2006/main">
   <p:cSld>
     <p:spTree>
       <p:nvGrpSpPr>
@@ -4167,916 +4205,411 @@
           <a:chExt cx="0" cy="0"/>
         </a:xfrm>
       </p:grpSpPr>
-      <p:graphicFrame>
-        <p:nvGraphicFramePr>
-          <p:cNvPr id="96" name="Table 1"/>
-          <p:cNvGraphicFramePr/>
-          <p:nvPr/>
-        </p:nvGraphicFramePr>
-        <p:xfrm>
-          <a:off x="504000" y="1656000"/>
-          <a:ext cx="9071280" cy="3167640"/>
-        </p:xfrm>
-        <a:graphic>
-          <a:graphicData uri="http://schemas.openxmlformats.org/drawingml/2006/table">
-            <a:tbl>
-              <a:tblPr/>
-              <a:tblGrid>
-                <a:gridCol w="1814040"/>
-                <a:gridCol w="1814040"/>
-                <a:gridCol w="1814040"/>
-                <a:gridCol w="1814040"/>
-                <a:gridCol w="1815480"/>
-              </a:tblGrid>
-              <a:tr h="527760">
-                <a:tc>
-                  <a:txBody>
-                    <a:bodyPr lIns="90000" rIns="90000" tIns="46800" bIns="46800">
-                      <a:noAutofit/>
-                    </a:bodyPr>
-                    <a:p>
-                      <a:r>
-                        <a:rPr b="0" lang="en-IN" sz="1800" spc="-1" strike="noStrike">
-                          <a:latin typeface="Arial"/>
-                        </a:rPr>
-                        <a:t>task</a:t>
-                      </a:r>
-                      <a:endParaRPr b="0" lang="en-IN" sz="1800" spc="-1" strike="noStrike">
-                        <a:latin typeface="Arial"/>
-                      </a:endParaRPr>
-                    </a:p>
-                  </a:txBody>
-                  <a:tcPr marL="90000" marR="90000">
-                    <a:lnL w="720">
-                      <a:solidFill>
-                        <a:srgbClr val="ffffff"/>
-                      </a:solidFill>
-                    </a:lnL>
-                    <a:lnR w="720">
-                      <a:solidFill>
-                        <a:srgbClr val="ffffff"/>
-                      </a:solidFill>
-                    </a:lnR>
-                    <a:lnT w="720">
-                      <a:solidFill>
-                        <a:srgbClr val="ffffff"/>
-                      </a:solidFill>
-                    </a:lnT>
-                    <a:lnB w="720">
-                      <a:solidFill>
-                        <a:srgbClr val="ffffff"/>
-                      </a:solidFill>
-                    </a:lnB>
-                    <a:solidFill>
-                      <a:srgbClr val="b3b3b3"/>
-                    </a:solidFill>
-                  </a:tcPr>
-                </a:tc>
-                <a:tc>
-                  <a:txBody>
-                    <a:bodyPr lIns="90000" rIns="90000" tIns="46800" bIns="46800">
-                      <a:noAutofit/>
-                    </a:bodyPr>
-                    <a:p>
-                      <a:r>
-                        <a:rPr b="0" lang="en-IN" sz="1800" spc="-1" strike="noStrike">
-                          <a:latin typeface="Arial"/>
-                        </a:rPr>
-                        <a:t>details</a:t>
-                      </a:r>
-                      <a:endParaRPr b="0" lang="en-IN" sz="1800" spc="-1" strike="noStrike">
-                        <a:latin typeface="Arial"/>
-                      </a:endParaRPr>
-                    </a:p>
-                  </a:txBody>
-                  <a:tcPr marL="90000" marR="90000">
-                    <a:lnL w="720">
-                      <a:solidFill>
-                        <a:srgbClr val="ffffff"/>
-                      </a:solidFill>
-                    </a:lnL>
-                    <a:lnR w="720">
-                      <a:solidFill>
-                        <a:srgbClr val="ffffff"/>
-                      </a:solidFill>
-                    </a:lnR>
-                    <a:lnT w="720">
-                      <a:solidFill>
-                        <a:srgbClr val="ffffff"/>
-                      </a:solidFill>
-                    </a:lnT>
-                    <a:lnB w="720">
-                      <a:solidFill>
-                        <a:srgbClr val="ffffff"/>
-                      </a:solidFill>
-                    </a:lnB>
-                    <a:solidFill>
-                      <a:srgbClr val="b3b3b3"/>
-                    </a:solidFill>
-                  </a:tcPr>
-                </a:tc>
-                <a:tc>
-                  <a:txBody>
-                    <a:bodyPr lIns="90000" rIns="90000" tIns="46800" bIns="46800">
-                      <a:noAutofit/>
-                    </a:bodyPr>
-                    <a:p>
-                      <a:pPr>
-                        <a:lnSpc>
-                          <a:spcPct val="100000"/>
-                        </a:lnSpc>
-                      </a:pPr>
-                      <a:r>
-                        <a:rPr b="0" lang="en-IN" sz="2000" spc="-1" strike="noStrike">
-                          <a:latin typeface="Arial"/>
-                        </a:rPr>
-                        <a:t>status</a:t>
-                      </a:r>
-                      <a:endParaRPr b="0" lang="en-IN" sz="2000" spc="-1" strike="noStrike">
-                        <a:latin typeface="Arial"/>
-                      </a:endParaRPr>
-                    </a:p>
-                  </a:txBody>
-                  <a:tcPr marL="90000" marR="90000">
-                    <a:lnL w="720">
-                      <a:solidFill>
-                        <a:srgbClr val="ffffff"/>
-                      </a:solidFill>
-                    </a:lnL>
-                    <a:lnR w="720">
-                      <a:solidFill>
-                        <a:srgbClr val="ffffff"/>
-                      </a:solidFill>
-                    </a:lnR>
-                    <a:lnT w="720">
-                      <a:solidFill>
-                        <a:srgbClr val="ffffff"/>
-                      </a:solidFill>
-                    </a:lnT>
-                    <a:lnB w="720">
-                      <a:solidFill>
-                        <a:srgbClr val="ffffff"/>
-                      </a:solidFill>
-                    </a:lnB>
-                    <a:solidFill>
-                      <a:srgbClr val="b3b3b3"/>
-                    </a:solidFill>
-                  </a:tcPr>
-                </a:tc>
-                <a:tc>
-                  <a:tcPr marL="90000" marR="90000">
-                    <a:lnL w="720">
-                      <a:solidFill>
-                        <a:srgbClr val="ffffff"/>
-                      </a:solidFill>
-                    </a:lnL>
-                    <a:lnR w="720">
-                      <a:solidFill>
-                        <a:srgbClr val="ffffff"/>
-                      </a:solidFill>
-                    </a:lnR>
-                    <a:lnT w="720">
-                      <a:solidFill>
-                        <a:srgbClr val="ffffff"/>
-                      </a:solidFill>
-                    </a:lnT>
-                    <a:lnB w="720">
-                      <a:solidFill>
-                        <a:srgbClr val="ffffff"/>
-                      </a:solidFill>
-                    </a:lnB>
-                    <a:solidFill>
-                      <a:srgbClr val="b3b3b3"/>
-                    </a:solidFill>
-                  </a:tcPr>
-                </a:tc>
-                <a:tc>
-                  <a:tcPr marL="90000" marR="90000">
-                    <a:lnL w="720">
-                      <a:solidFill>
-                        <a:srgbClr val="ffffff"/>
-                      </a:solidFill>
-                    </a:lnL>
-                    <a:lnR w="720">
-                      <a:solidFill>
-                        <a:srgbClr val="ffffff"/>
-                      </a:solidFill>
-                    </a:lnR>
-                    <a:lnT w="720">
-                      <a:solidFill>
-                        <a:srgbClr val="ffffff"/>
-                      </a:solidFill>
-                    </a:lnT>
-                    <a:lnB w="720">
-                      <a:solidFill>
-                        <a:srgbClr val="ffffff"/>
-                      </a:solidFill>
-                    </a:lnB>
-                    <a:solidFill>
-                      <a:srgbClr val="b3b3b3"/>
-                    </a:solidFill>
-                  </a:tcPr>
-                </a:tc>
-              </a:tr>
-              <a:tr h="527760">
-                <a:tc>
-                  <a:tcPr marL="90000" marR="90000">
-                    <a:lnL w="720">
-                      <a:solidFill>
-                        <a:srgbClr val="ffffff"/>
-                      </a:solidFill>
-                    </a:lnL>
-                    <a:lnR w="720">
-                      <a:solidFill>
-                        <a:srgbClr val="ffffff"/>
-                      </a:solidFill>
-                    </a:lnR>
-                    <a:lnT w="720">
-                      <a:solidFill>
-                        <a:srgbClr val="ffffff"/>
-                      </a:solidFill>
-                    </a:lnT>
-                    <a:lnB w="720">
-                      <a:solidFill>
-                        <a:srgbClr val="ffffff"/>
-                      </a:solidFill>
-                    </a:lnB>
-                    <a:solidFill>
-                      <a:srgbClr val="cccccc"/>
-                    </a:solidFill>
-                  </a:tcPr>
-                </a:tc>
-                <a:tc>
-                  <a:tcPr marL="90000" marR="90000">
-                    <a:lnL w="720">
-                      <a:solidFill>
-                        <a:srgbClr val="ffffff"/>
-                      </a:solidFill>
-                    </a:lnL>
-                    <a:lnR w="720">
-                      <a:solidFill>
-                        <a:srgbClr val="ffffff"/>
-                      </a:solidFill>
-                    </a:lnR>
-                    <a:lnT w="720">
-                      <a:solidFill>
-                        <a:srgbClr val="ffffff"/>
-                      </a:solidFill>
-                    </a:lnT>
-                    <a:lnB w="720">
-                      <a:solidFill>
-                        <a:srgbClr val="ffffff"/>
-                      </a:solidFill>
-                    </a:lnB>
-                    <a:solidFill>
-                      <a:srgbClr val="cccccc"/>
-                    </a:solidFill>
-                  </a:tcPr>
-                </a:tc>
-                <a:tc>
-                  <a:tcPr marL="90000" marR="90000">
-                    <a:lnL w="720">
-                      <a:solidFill>
-                        <a:srgbClr val="ffffff"/>
-                      </a:solidFill>
-                    </a:lnL>
-                    <a:lnR w="720">
-                      <a:solidFill>
-                        <a:srgbClr val="ffffff"/>
-                      </a:solidFill>
-                    </a:lnR>
-                    <a:lnT w="720">
-                      <a:solidFill>
-                        <a:srgbClr val="ffffff"/>
-                      </a:solidFill>
-                    </a:lnT>
-                    <a:lnB w="720">
-                      <a:solidFill>
-                        <a:srgbClr val="ffffff"/>
-                      </a:solidFill>
-                    </a:lnB>
-                    <a:solidFill>
-                      <a:srgbClr val="cccccc"/>
-                    </a:solidFill>
-                  </a:tcPr>
-                </a:tc>
-                <a:tc>
-                  <a:tcPr marL="90000" marR="90000">
-                    <a:lnL w="720">
-                      <a:solidFill>
-                        <a:srgbClr val="ffffff"/>
-                      </a:solidFill>
-                    </a:lnL>
-                    <a:lnR w="720">
-                      <a:solidFill>
-                        <a:srgbClr val="ffffff"/>
-                      </a:solidFill>
-                    </a:lnR>
-                    <a:lnT w="720">
-                      <a:solidFill>
-                        <a:srgbClr val="ffffff"/>
-                      </a:solidFill>
-                    </a:lnT>
-                    <a:lnB w="720">
-                      <a:solidFill>
-                        <a:srgbClr val="ffffff"/>
-                      </a:solidFill>
-                    </a:lnB>
-                    <a:solidFill>
-                      <a:srgbClr val="cccccc"/>
-                    </a:solidFill>
-                  </a:tcPr>
-                </a:tc>
-                <a:tc>
-                  <a:tcPr marL="90000" marR="90000">
-                    <a:lnL w="720">
-                      <a:solidFill>
-                        <a:srgbClr val="ffffff"/>
-                      </a:solidFill>
-                    </a:lnL>
-                    <a:lnR w="720">
-                      <a:solidFill>
-                        <a:srgbClr val="ffffff"/>
-                      </a:solidFill>
-                    </a:lnR>
-                    <a:lnT w="720">
-                      <a:solidFill>
-                        <a:srgbClr val="ffffff"/>
-                      </a:solidFill>
-                    </a:lnT>
-                    <a:lnB w="720">
-                      <a:solidFill>
-                        <a:srgbClr val="ffffff"/>
-                      </a:solidFill>
-                    </a:lnB>
-                    <a:solidFill>
-                      <a:srgbClr val="cccccc"/>
-                    </a:solidFill>
-                  </a:tcPr>
-                </a:tc>
-              </a:tr>
-              <a:tr h="527760">
-                <a:tc>
-                  <a:tcPr marL="90000" marR="90000">
-                    <a:lnL w="720">
-                      <a:solidFill>
-                        <a:srgbClr val="ffffff"/>
-                      </a:solidFill>
-                    </a:lnL>
-                    <a:lnR w="720">
-                      <a:solidFill>
-                        <a:srgbClr val="ffffff"/>
-                      </a:solidFill>
-                    </a:lnR>
-                    <a:lnT w="720">
-                      <a:solidFill>
-                        <a:srgbClr val="ffffff"/>
-                      </a:solidFill>
-                    </a:lnT>
-                    <a:lnB w="720">
-                      <a:solidFill>
-                        <a:srgbClr val="ffffff"/>
-                      </a:solidFill>
-                    </a:lnB>
-                    <a:solidFill>
-                      <a:srgbClr val="e6e6e6"/>
-                    </a:solidFill>
-                  </a:tcPr>
-                </a:tc>
-                <a:tc>
-                  <a:tcPr marL="90000" marR="90000">
-                    <a:lnL w="720">
-                      <a:solidFill>
-                        <a:srgbClr val="ffffff"/>
-                      </a:solidFill>
-                    </a:lnL>
-                    <a:lnR w="720">
-                      <a:solidFill>
-                        <a:srgbClr val="ffffff"/>
-                      </a:solidFill>
-                    </a:lnR>
-                    <a:lnT w="720">
-                      <a:solidFill>
-                        <a:srgbClr val="ffffff"/>
-                      </a:solidFill>
-                    </a:lnT>
-                    <a:lnB w="720">
-                      <a:solidFill>
-                        <a:srgbClr val="ffffff"/>
-                      </a:solidFill>
-                    </a:lnB>
-                    <a:solidFill>
-                      <a:srgbClr val="e6e6e6"/>
-                    </a:solidFill>
-                  </a:tcPr>
-                </a:tc>
-                <a:tc>
-                  <a:tcPr marL="90000" marR="90000">
-                    <a:lnL w="720">
-                      <a:solidFill>
-                        <a:srgbClr val="ffffff"/>
-                      </a:solidFill>
-                    </a:lnL>
-                    <a:lnR w="720">
-                      <a:solidFill>
-                        <a:srgbClr val="ffffff"/>
-                      </a:solidFill>
-                    </a:lnR>
-                    <a:lnT w="720">
-                      <a:solidFill>
-                        <a:srgbClr val="ffffff"/>
-                      </a:solidFill>
-                    </a:lnT>
-                    <a:lnB w="720">
-                      <a:solidFill>
-                        <a:srgbClr val="ffffff"/>
-                      </a:solidFill>
-                    </a:lnB>
-                    <a:solidFill>
-                      <a:srgbClr val="e6e6e6"/>
-                    </a:solidFill>
-                  </a:tcPr>
-                </a:tc>
-                <a:tc>
-                  <a:tcPr marL="90000" marR="90000">
-                    <a:lnL w="720">
-                      <a:solidFill>
-                        <a:srgbClr val="ffffff"/>
-                      </a:solidFill>
-                    </a:lnL>
-                    <a:lnR w="720">
-                      <a:solidFill>
-                        <a:srgbClr val="ffffff"/>
-                      </a:solidFill>
-                    </a:lnR>
-                    <a:lnT w="720">
-                      <a:solidFill>
-                        <a:srgbClr val="ffffff"/>
-                      </a:solidFill>
-                    </a:lnT>
-                    <a:lnB w="720">
-                      <a:solidFill>
-                        <a:srgbClr val="ffffff"/>
-                      </a:solidFill>
-                    </a:lnB>
-                    <a:solidFill>
-                      <a:srgbClr val="e6e6e6"/>
-                    </a:solidFill>
-                  </a:tcPr>
-                </a:tc>
-                <a:tc>
-                  <a:tcPr marL="90000" marR="90000">
-                    <a:lnL w="720">
-                      <a:solidFill>
-                        <a:srgbClr val="ffffff"/>
-                      </a:solidFill>
-                    </a:lnL>
-                    <a:lnR w="720">
-                      <a:solidFill>
-                        <a:srgbClr val="ffffff"/>
-                      </a:solidFill>
-                    </a:lnR>
-                    <a:lnT w="720">
-                      <a:solidFill>
-                        <a:srgbClr val="ffffff"/>
-                      </a:solidFill>
-                    </a:lnT>
-                    <a:lnB w="720">
-                      <a:solidFill>
-                        <a:srgbClr val="ffffff"/>
-                      </a:solidFill>
-                    </a:lnB>
-                    <a:solidFill>
-                      <a:srgbClr val="e6e6e6"/>
-                    </a:solidFill>
-                  </a:tcPr>
-                </a:tc>
-              </a:tr>
-              <a:tr h="527760">
-                <a:tc>
-                  <a:tcPr marL="90000" marR="90000">
-                    <a:lnL w="720">
-                      <a:solidFill>
-                        <a:srgbClr val="ffffff"/>
-                      </a:solidFill>
-                    </a:lnL>
-                    <a:lnR w="720">
-                      <a:solidFill>
-                        <a:srgbClr val="ffffff"/>
-                      </a:solidFill>
-                    </a:lnR>
-                    <a:lnT w="720">
-                      <a:solidFill>
-                        <a:srgbClr val="ffffff"/>
-                      </a:solidFill>
-                    </a:lnT>
-                    <a:lnB w="720">
-                      <a:solidFill>
-                        <a:srgbClr val="ffffff"/>
-                      </a:solidFill>
-                    </a:lnB>
-                    <a:solidFill>
-                      <a:srgbClr val="cccccc"/>
-                    </a:solidFill>
-                  </a:tcPr>
-                </a:tc>
-                <a:tc>
-                  <a:tcPr marL="90000" marR="90000">
-                    <a:lnL w="720">
-                      <a:solidFill>
-                        <a:srgbClr val="ffffff"/>
-                      </a:solidFill>
-                    </a:lnL>
-                    <a:lnR w="720">
-                      <a:solidFill>
-                        <a:srgbClr val="ffffff"/>
-                      </a:solidFill>
-                    </a:lnR>
-                    <a:lnT w="720">
-                      <a:solidFill>
-                        <a:srgbClr val="ffffff"/>
-                      </a:solidFill>
-                    </a:lnT>
-                    <a:lnB w="720">
-                      <a:solidFill>
-                        <a:srgbClr val="ffffff"/>
-                      </a:solidFill>
-                    </a:lnB>
-                    <a:solidFill>
-                      <a:srgbClr val="cccccc"/>
-                    </a:solidFill>
-                  </a:tcPr>
-                </a:tc>
-                <a:tc>
-                  <a:tcPr marL="90000" marR="90000">
-                    <a:lnL w="720">
-                      <a:solidFill>
-                        <a:srgbClr val="ffffff"/>
-                      </a:solidFill>
-                    </a:lnL>
-                    <a:lnR w="720">
-                      <a:solidFill>
-                        <a:srgbClr val="ffffff"/>
-                      </a:solidFill>
-                    </a:lnR>
-                    <a:lnT w="720">
-                      <a:solidFill>
-                        <a:srgbClr val="ffffff"/>
-                      </a:solidFill>
-                    </a:lnT>
-                    <a:lnB w="720">
-                      <a:solidFill>
-                        <a:srgbClr val="ffffff"/>
-                      </a:solidFill>
-                    </a:lnB>
-                    <a:solidFill>
-                      <a:srgbClr val="cccccc"/>
-                    </a:solidFill>
-                  </a:tcPr>
-                </a:tc>
-                <a:tc>
-                  <a:tcPr marL="90000" marR="90000">
-                    <a:lnL w="720">
-                      <a:solidFill>
-                        <a:srgbClr val="ffffff"/>
-                      </a:solidFill>
-                    </a:lnL>
-                    <a:lnR w="720">
-                      <a:solidFill>
-                        <a:srgbClr val="ffffff"/>
-                      </a:solidFill>
-                    </a:lnR>
-                    <a:lnT w="720">
-                      <a:solidFill>
-                        <a:srgbClr val="ffffff"/>
-                      </a:solidFill>
-                    </a:lnT>
-                    <a:lnB w="720">
-                      <a:solidFill>
-                        <a:srgbClr val="ffffff"/>
-                      </a:solidFill>
-                    </a:lnB>
-                    <a:solidFill>
-                      <a:srgbClr val="cccccc"/>
-                    </a:solidFill>
-                  </a:tcPr>
-                </a:tc>
-                <a:tc>
-                  <a:tcPr marL="90000" marR="90000">
-                    <a:lnL w="720">
-                      <a:solidFill>
-                        <a:srgbClr val="ffffff"/>
-                      </a:solidFill>
-                    </a:lnL>
-                    <a:lnR w="720">
-                      <a:solidFill>
-                        <a:srgbClr val="ffffff"/>
-                      </a:solidFill>
-                    </a:lnR>
-                    <a:lnT w="720">
-                      <a:solidFill>
-                        <a:srgbClr val="ffffff"/>
-                      </a:solidFill>
-                    </a:lnT>
-                    <a:lnB w="720">
-                      <a:solidFill>
-                        <a:srgbClr val="ffffff"/>
-                      </a:solidFill>
-                    </a:lnB>
-                    <a:solidFill>
-                      <a:srgbClr val="cccccc"/>
-                    </a:solidFill>
-                  </a:tcPr>
-                </a:tc>
-              </a:tr>
-              <a:tr h="527760">
-                <a:tc>
-                  <a:tcPr marL="90000" marR="90000">
-                    <a:lnL w="720">
-                      <a:solidFill>
-                        <a:srgbClr val="ffffff"/>
-                      </a:solidFill>
-                    </a:lnL>
-                    <a:lnR w="720">
-                      <a:solidFill>
-                        <a:srgbClr val="ffffff"/>
-                      </a:solidFill>
-                    </a:lnR>
-                    <a:lnT w="720">
-                      <a:solidFill>
-                        <a:srgbClr val="ffffff"/>
-                      </a:solidFill>
-                    </a:lnT>
-                    <a:lnB w="720">
-                      <a:solidFill>
-                        <a:srgbClr val="ffffff"/>
-                      </a:solidFill>
-                    </a:lnB>
-                    <a:solidFill>
-                      <a:srgbClr val="e6e6e6"/>
-                    </a:solidFill>
-                  </a:tcPr>
-                </a:tc>
-                <a:tc>
-                  <a:tcPr marL="90000" marR="90000">
-                    <a:lnL w="720">
-                      <a:solidFill>
-                        <a:srgbClr val="ffffff"/>
-                      </a:solidFill>
-                    </a:lnL>
-                    <a:lnR w="720">
-                      <a:solidFill>
-                        <a:srgbClr val="ffffff"/>
-                      </a:solidFill>
-                    </a:lnR>
-                    <a:lnT w="720">
-                      <a:solidFill>
-                        <a:srgbClr val="ffffff"/>
-                      </a:solidFill>
-                    </a:lnT>
-                    <a:lnB w="720">
-                      <a:solidFill>
-                        <a:srgbClr val="ffffff"/>
-                      </a:solidFill>
-                    </a:lnB>
-                    <a:solidFill>
-                      <a:srgbClr val="e6e6e6"/>
-                    </a:solidFill>
-                  </a:tcPr>
-                </a:tc>
-                <a:tc>
-                  <a:tcPr marL="90000" marR="90000">
-                    <a:lnL w="720">
-                      <a:solidFill>
-                        <a:srgbClr val="ffffff"/>
-                      </a:solidFill>
-                    </a:lnL>
-                    <a:lnR w="720">
-                      <a:solidFill>
-                        <a:srgbClr val="ffffff"/>
-                      </a:solidFill>
-                    </a:lnR>
-                    <a:lnT w="720">
-                      <a:solidFill>
-                        <a:srgbClr val="ffffff"/>
-                      </a:solidFill>
-                    </a:lnT>
-                    <a:lnB w="720">
-                      <a:solidFill>
-                        <a:srgbClr val="ffffff"/>
-                      </a:solidFill>
-                    </a:lnB>
-                    <a:solidFill>
-                      <a:srgbClr val="e6e6e6"/>
-                    </a:solidFill>
-                  </a:tcPr>
-                </a:tc>
-                <a:tc>
-                  <a:tcPr marL="90000" marR="90000">
-                    <a:lnL w="720">
-                      <a:solidFill>
-                        <a:srgbClr val="ffffff"/>
-                      </a:solidFill>
-                    </a:lnL>
-                    <a:lnR w="720">
-                      <a:solidFill>
-                        <a:srgbClr val="ffffff"/>
-                      </a:solidFill>
-                    </a:lnR>
-                    <a:lnT w="720">
-                      <a:solidFill>
-                        <a:srgbClr val="ffffff"/>
-                      </a:solidFill>
-                    </a:lnT>
-                    <a:lnB w="720">
-                      <a:solidFill>
-                        <a:srgbClr val="ffffff"/>
-                      </a:solidFill>
-                    </a:lnB>
-                    <a:solidFill>
-                      <a:srgbClr val="e6e6e6"/>
-                    </a:solidFill>
-                  </a:tcPr>
-                </a:tc>
-                <a:tc>
-                  <a:tcPr marL="90000" marR="90000">
-                    <a:lnL w="720">
-                      <a:solidFill>
-                        <a:srgbClr val="ffffff"/>
-                      </a:solidFill>
-                    </a:lnL>
-                    <a:lnR w="720">
-                      <a:solidFill>
-                        <a:srgbClr val="ffffff"/>
-                      </a:solidFill>
-                    </a:lnR>
-                    <a:lnT w="720">
-                      <a:solidFill>
-                        <a:srgbClr val="ffffff"/>
-                      </a:solidFill>
-                    </a:lnT>
-                    <a:lnB w="720">
-                      <a:solidFill>
-                        <a:srgbClr val="ffffff"/>
-                      </a:solidFill>
-                    </a:lnB>
-                    <a:solidFill>
-                      <a:srgbClr val="e6e6e6"/>
-                    </a:solidFill>
-                  </a:tcPr>
-                </a:tc>
-              </a:tr>
-              <a:tr h="529200">
-                <a:tc>
-                  <a:tcPr marL="90000" marR="90000">
-                    <a:lnL w="720">
-                      <a:solidFill>
-                        <a:srgbClr val="ffffff"/>
-                      </a:solidFill>
-                    </a:lnL>
-                    <a:lnR w="720">
-                      <a:solidFill>
-                        <a:srgbClr val="ffffff"/>
-                      </a:solidFill>
-                    </a:lnR>
-                    <a:lnT w="720">
-                      <a:solidFill>
-                        <a:srgbClr val="ffffff"/>
-                      </a:solidFill>
-                    </a:lnT>
-                    <a:lnB w="720">
-                      <a:solidFill>
-                        <a:srgbClr val="ffffff"/>
-                      </a:solidFill>
-                    </a:lnB>
-                    <a:solidFill>
-                      <a:srgbClr val="cccccc"/>
-                    </a:solidFill>
-                  </a:tcPr>
-                </a:tc>
-                <a:tc>
-                  <a:tcPr marL="90000" marR="90000">
-                    <a:lnL w="720">
-                      <a:solidFill>
-                        <a:srgbClr val="ffffff"/>
-                      </a:solidFill>
-                    </a:lnL>
-                    <a:lnR w="720">
-                      <a:solidFill>
-                        <a:srgbClr val="ffffff"/>
-                      </a:solidFill>
-                    </a:lnR>
-                    <a:lnT w="720">
-                      <a:solidFill>
-                        <a:srgbClr val="ffffff"/>
-                      </a:solidFill>
-                    </a:lnT>
-                    <a:lnB w="720">
-                      <a:solidFill>
-                        <a:srgbClr val="ffffff"/>
-                      </a:solidFill>
-                    </a:lnB>
-                    <a:solidFill>
-                      <a:srgbClr val="cccccc"/>
-                    </a:solidFill>
-                  </a:tcPr>
-                </a:tc>
-                <a:tc>
-                  <a:tcPr marL="90000" marR="90000">
-                    <a:lnL w="720">
-                      <a:solidFill>
-                        <a:srgbClr val="ffffff"/>
-                      </a:solidFill>
-                    </a:lnL>
-                    <a:lnR w="720">
-                      <a:solidFill>
-                        <a:srgbClr val="ffffff"/>
-                      </a:solidFill>
-                    </a:lnR>
-                    <a:lnT w="720">
-                      <a:solidFill>
-                        <a:srgbClr val="ffffff"/>
-                      </a:solidFill>
-                    </a:lnT>
-                    <a:lnB w="720">
-                      <a:solidFill>
-                        <a:srgbClr val="ffffff"/>
-                      </a:solidFill>
-                    </a:lnB>
-                    <a:solidFill>
-                      <a:srgbClr val="cccccc"/>
-                    </a:solidFill>
-                  </a:tcPr>
-                </a:tc>
-                <a:tc>
-                  <a:tcPr marL="90000" marR="90000">
-                    <a:lnL w="720">
-                      <a:solidFill>
-                        <a:srgbClr val="ffffff"/>
-                      </a:solidFill>
-                    </a:lnL>
-                    <a:lnR w="720">
-                      <a:solidFill>
-                        <a:srgbClr val="ffffff"/>
-                      </a:solidFill>
-                    </a:lnR>
-                    <a:lnT w="720">
-                      <a:solidFill>
-                        <a:srgbClr val="ffffff"/>
-                      </a:solidFill>
-                    </a:lnT>
-                    <a:lnB w="720">
-                      <a:solidFill>
-                        <a:srgbClr val="ffffff"/>
-                      </a:solidFill>
-                    </a:lnB>
-                    <a:solidFill>
-                      <a:srgbClr val="cccccc"/>
-                    </a:solidFill>
-                  </a:tcPr>
-                </a:tc>
-                <a:tc>
-                  <a:tcPr marL="90000" marR="90000">
-                    <a:lnL w="720">
-                      <a:solidFill>
-                        <a:srgbClr val="ffffff"/>
-                      </a:solidFill>
-                    </a:lnL>
-                    <a:lnR w="720">
-                      <a:solidFill>
-                        <a:srgbClr val="ffffff"/>
-                      </a:solidFill>
-                    </a:lnR>
-                    <a:lnT w="720">
-                      <a:solidFill>
-                        <a:srgbClr val="ffffff"/>
-                      </a:solidFill>
-                    </a:lnT>
-                    <a:lnB w="720">
-                      <a:solidFill>
-                        <a:srgbClr val="ffffff"/>
-                      </a:solidFill>
-                    </a:lnB>
-                    <a:solidFill>
-                      <a:srgbClr val="cccccc"/>
-                    </a:solidFill>
-                  </a:tcPr>
-                </a:tc>
-              </a:tr>
-            </a:tbl>
-          </a:graphicData>
-        </a:graphic>
-      </p:graphicFrame>
+      <p:sp>
+        <p:nvSpPr>
+          <p:cNvPr id="4" name="Text Placeholder 3"/>
+          <p:cNvSpPr>
+            <a:spLocks noGrp="1"/>
+          </p:cNvSpPr>
+          <p:nvPr>
+            <p:ph type="body"/>
+          </p:nvPr>
+        </p:nvSpPr>
+        <p:spPr/>
+        <p:txBody>
+          <a:bodyPr/>
+          <a:lstStyle/>
+          <a:p>
+            <a:endParaRPr lang="en-IN" dirty="0" smtClean="0"/>
+          </a:p>
+          <a:p>
+            <a:endParaRPr lang="en-IN" dirty="0"/>
+          </a:p>
+          <a:p>
+            <a:endParaRPr lang="en-IN" dirty="0" smtClean="0"/>
+          </a:p>
+          <a:p>
+            <a:endParaRPr lang="en-IN" dirty="0"/>
+          </a:p>
+          <a:p>
+            <a:endParaRPr lang="en-IN" dirty="0" smtClean="0"/>
+          </a:p>
+          <a:p>
+            <a:endParaRPr lang="en-IN" dirty="0"/>
+          </a:p>
+          <a:p>
+            <a:endParaRPr lang="en-IN" dirty="0" smtClean="0"/>
+          </a:p>
+          <a:p>
+            <a:endParaRPr lang="en-IN" dirty="0"/>
+          </a:p>
+          <a:p>
+            <a:endParaRPr lang="en-IN" dirty="0" smtClean="0"/>
+          </a:p>
+          <a:p>
+            <a:endParaRPr lang="en-IN" dirty="0"/>
+          </a:p>
+          <a:p>
+            <a:endParaRPr lang="en-IN" dirty="0" smtClean="0"/>
+          </a:p>
+          <a:p>
+            <a:endParaRPr lang="en-IN" dirty="0"/>
+          </a:p>
+          <a:p>
+            <a:endParaRPr lang="en-IN" dirty="0" smtClean="0"/>
+          </a:p>
+          <a:p>
+            <a:endParaRPr lang="en-IN" dirty="0"/>
+          </a:p>
+          <a:p>
+            <a:endParaRPr lang="en-IN" dirty="0" smtClean="0"/>
+          </a:p>
+          <a:p>
+            <a:endParaRPr lang="en-IN" dirty="0"/>
+          </a:p>
+          <a:p>
+            <a:endParaRPr lang="en-IN" dirty="0" smtClean="0"/>
+          </a:p>
+          <a:p>
+            <a:endParaRPr lang="en-IN" dirty="0"/>
+          </a:p>
+          <a:p>
+            <a:r>
+              <a:rPr lang="en-IN" dirty="0" smtClean="0"/>
+              <a:t>Apache Zookeeper , Kafka, Spark setup in the local machine</a:t>
+            </a:r>
+          </a:p>
+          <a:p>
+            <a:endParaRPr lang="en-IN" dirty="0"/>
+          </a:p>
+          <a:p>
+            <a:pPr marL="342900" indent="-342900">
+              <a:buFont typeface="+mj-lt"/>
+              <a:buAutoNum type="arabicPeriod"/>
+            </a:pPr>
+            <a:r>
+              <a:rPr lang="en-IN" dirty="0" smtClean="0"/>
+              <a:t>Run Zookeeper Server [zookeeper-server-start.bat C:\kafka_2.13-2.8.0\config\zookeeper.properties]</a:t>
+            </a:r>
+          </a:p>
+          <a:p>
+            <a:pPr marL="342900" indent="-342900">
+              <a:buFont typeface="+mj-lt"/>
+              <a:buAutoNum type="arabicPeriod"/>
+            </a:pPr>
+            <a:r>
+              <a:rPr lang="en-IN" dirty="0" smtClean="0"/>
+              <a:t>Run Kafka Server [kafka-server-start.bat C:\kafka_2.13-2.8.0\config\server.properties]</a:t>
+            </a:r>
+          </a:p>
+          <a:p>
+            <a:pPr marL="342900" indent="-342900">
+              <a:buFont typeface="+mj-lt"/>
+              <a:buAutoNum type="arabicPeriod"/>
+            </a:pPr>
+            <a:r>
+              <a:rPr lang="en-IN" dirty="0" smtClean="0"/>
+              <a:t> Run Broker(Pipelining  to spark and </a:t>
+            </a:r>
+            <a:r>
+              <a:rPr lang="en-IN" dirty="0" err="1" smtClean="0"/>
+              <a:t>kafka</a:t>
+            </a:r>
+            <a:r>
+              <a:rPr lang="en-IN" dirty="0" smtClean="0"/>
+              <a:t>)[kafka-console-producer.bat --broker-list localhost:9092 --topic </a:t>
+            </a:r>
+            <a:r>
+              <a:rPr lang="en-IN" dirty="0" err="1" smtClean="0"/>
+              <a:t>testtopic</a:t>
+            </a:r>
+            <a:r>
+              <a:rPr lang="en-IN" dirty="0" smtClean="0"/>
+              <a:t>]</a:t>
+            </a:r>
+          </a:p>
+          <a:p>
+            <a:pPr marL="342900" indent="-342900">
+              <a:buFont typeface="+mj-lt"/>
+              <a:buAutoNum type="arabicPeriod"/>
+            </a:pPr>
+            <a:r>
+              <a:rPr lang="en-IN" dirty="0" smtClean="0"/>
+              <a:t> Run Spark Server [spark-submit --packages org.apache.spark:spark-streaming-kafka_2.12-2.8.0 </a:t>
+            </a:r>
+            <a:r>
+              <a:rPr lang="en-IN" dirty="0" err="1" smtClean="0"/>
+              <a:t>pyspark_test.ipynb</a:t>
+            </a:r>
+            <a:r>
+              <a:rPr lang="en-IN" dirty="0" smtClean="0"/>
+              <a:t>]</a:t>
+            </a:r>
+          </a:p>
+          <a:p>
+            <a:pPr marL="342900" indent="-342900"/>
+            <a:endParaRPr lang="en-IN" dirty="0" smtClean="0"/>
+          </a:p>
+          <a:p>
+            <a:endParaRPr lang="en-IN" dirty="0"/>
+          </a:p>
+          <a:p>
+            <a:endParaRPr lang="en-IN" dirty="0" smtClean="0"/>
+          </a:p>
+          <a:p>
+            <a:endParaRPr lang="en-IN" dirty="0"/>
+          </a:p>
+        </p:txBody>
+      </p:sp>
+      <p:sp>
+        <p:nvSpPr>
+          <p:cNvPr id="2" name="Title 1"/>
+          <p:cNvSpPr>
+            <a:spLocks noGrp="1"/>
+          </p:cNvSpPr>
+          <p:nvPr>
+            <p:ph type="title"/>
+          </p:nvPr>
+        </p:nvSpPr>
+        <p:spPr/>
+        <p:txBody>
+          <a:bodyPr/>
+          <a:lstStyle/>
+          <a:p>
+            <a:pPr algn="ctr"/>
+            <a:r>
+              <a:rPr lang="en-IN" b="1" dirty="0" smtClean="0"/>
+              <a:t>LOCAL MACHINE SETUP	</a:t>
+            </a:r>
+            <a:endParaRPr lang="en-IN" b="1" dirty="0"/>
+          </a:p>
+        </p:txBody>
+      </p:sp>
     </p:spTree>
   </p:cSld>
-  <mc:AlternateContent>
-    <mc:Choice Requires="p14">
-      <p:transition spd="slow" p14:dur="2000"/>
-    </mc:Choice>
-    <mc:Fallback>
-      <p:transition spd="slow"/>
-    </mc:Fallback>
-  </mc:AlternateContent>
+  <p:clrMapOvr>
+    <a:masterClrMapping/>
+  </p:clrMapOvr>
+</p:sld>
+</file>
+
+<file path=ppt/slides/slide5.xml><?xml version="1.0" encoding="utf-8"?>
+<p:sld xmlns:a="http://schemas.openxmlformats.org/drawingml/2006/main" xmlns:r="http://schemas.openxmlformats.org/officeDocument/2006/relationships" xmlns:p="http://schemas.openxmlformats.org/presentationml/2006/main">
+  <p:cSld>
+    <p:spTree>
+      <p:nvGrpSpPr>
+        <p:cNvPr id="1" name=""/>
+        <p:cNvGrpSpPr/>
+        <p:nvPr/>
+      </p:nvGrpSpPr>
+      <p:grpSpPr>
+        <a:xfrm>
+          <a:off x="0" y="0"/>
+          <a:ext cx="0" cy="0"/>
+          <a:chOff x="0" y="0"/>
+          <a:chExt cx="0" cy="0"/>
+        </a:xfrm>
+      </p:grpSpPr>
+      <p:pic>
+        <p:nvPicPr>
+          <p:cNvPr id="4" name="Picture 3" descr="spark_local.PNG"/>
+          <p:cNvPicPr>
+            <a:picLocks noChangeAspect="1"/>
+          </p:cNvPicPr>
+          <p:nvPr/>
+        </p:nvPicPr>
+        <p:blipFill>
+          <a:blip r:embed="rId2"/>
+          <a:stretch>
+            <a:fillRect/>
+          </a:stretch>
+        </p:blipFill>
+        <p:spPr>
+          <a:xfrm>
+            <a:off x="0" y="133869"/>
+            <a:ext cx="10080625" cy="5402812"/>
+          </a:xfrm>
+          <a:prstGeom prst="rect">
+            <a:avLst/>
+          </a:prstGeom>
+        </p:spPr>
+      </p:pic>
+    </p:spTree>
+  </p:cSld>
+  <p:clrMapOvr>
+    <a:masterClrMapping/>
+  </p:clrMapOvr>
+</p:sld>
+</file>
+
+<file path=ppt/slides/slide6.xml><?xml version="1.0" encoding="utf-8"?>
+<p:sld xmlns:a="http://schemas.openxmlformats.org/drawingml/2006/main" xmlns:r="http://schemas.openxmlformats.org/officeDocument/2006/relationships" xmlns:p="http://schemas.openxmlformats.org/presentationml/2006/main">
+  <p:cSld>
+    <p:spTree>
+      <p:nvGrpSpPr>
+        <p:cNvPr id="1" name=""/>
+        <p:cNvGrpSpPr/>
+        <p:nvPr/>
+      </p:nvGrpSpPr>
+      <p:grpSpPr>
+        <a:xfrm>
+          <a:off x="0" y="0"/>
+          <a:ext cx="0" cy="0"/>
+          <a:chOff x="0" y="0"/>
+          <a:chExt cx="0" cy="0"/>
+        </a:xfrm>
+      </p:grpSpPr>
+      <p:sp>
+        <p:nvSpPr>
+          <p:cNvPr id="6" name="TextBox 5"/>
+          <p:cNvSpPr txBox="1"/>
+          <p:nvPr/>
+        </p:nvSpPr>
+        <p:spPr>
+          <a:xfrm>
+            <a:off x="0" y="549259"/>
+            <a:ext cx="10080625" cy="369332"/>
+          </a:xfrm>
+          <a:prstGeom prst="rect">
+            <a:avLst/>
+          </a:prstGeom>
+          <a:noFill/>
+        </p:spPr>
+        <p:txBody>
+          <a:bodyPr wrap="square" rtlCol="0">
+            <a:spAutoFit/>
+          </a:bodyPr>
+          <a:lstStyle/>
+          <a:p>
+            <a:pPr algn="ctr"/>
+            <a:r>
+              <a:rPr lang="en-IN" b="1" dirty="0" smtClean="0"/>
+              <a:t>CODE BASE</a:t>
+            </a:r>
+            <a:endParaRPr lang="en-IN" b="1" dirty="0"/>
+          </a:p>
+        </p:txBody>
+      </p:sp>
+      <p:sp>
+        <p:nvSpPr>
+          <p:cNvPr id="7" name="TextBox 6"/>
+          <p:cNvSpPr txBox="1"/>
+          <p:nvPr/>
+        </p:nvSpPr>
+        <p:spPr>
+          <a:xfrm>
+            <a:off x="0" y="1335077"/>
+            <a:ext cx="9898096" cy="2308324"/>
+          </a:xfrm>
+          <a:prstGeom prst="rect">
+            <a:avLst/>
+          </a:prstGeom>
+          <a:noFill/>
+        </p:spPr>
+        <p:txBody>
+          <a:bodyPr wrap="square" rtlCol="0">
+            <a:spAutoFit/>
+          </a:bodyPr>
+          <a:lstStyle/>
+          <a:p>
+            <a:pPr>
+              <a:buFont typeface="Arial" pitchFamily="34" charset="0"/>
+              <a:buChar char="•"/>
+            </a:pPr>
+            <a:r>
+              <a:rPr lang="en-IN" dirty="0" smtClean="0"/>
+              <a:t>Data Pre Processing</a:t>
+            </a:r>
+          </a:p>
+          <a:p>
+            <a:pPr>
+              <a:buFont typeface="Arial" pitchFamily="34" charset="0"/>
+              <a:buChar char="•"/>
+            </a:pPr>
+            <a:r>
+              <a:rPr lang="en-IN" dirty="0" smtClean="0"/>
+              <a:t>Data Visualization</a:t>
+            </a:r>
+          </a:p>
+          <a:p>
+            <a:pPr>
+              <a:buFont typeface="Arial" pitchFamily="34" charset="0"/>
+              <a:buChar char="•"/>
+            </a:pPr>
+            <a:r>
+              <a:rPr lang="en-IN" dirty="0" smtClean="0"/>
+              <a:t>Web Scrapping </a:t>
+            </a:r>
+          </a:p>
+          <a:p>
+            <a:endParaRPr lang="en-IN" dirty="0"/>
+          </a:p>
+          <a:p>
+            <a:r>
+              <a:rPr lang="en-IN" b="1" dirty="0" smtClean="0"/>
+              <a:t>Packages Used:</a:t>
+            </a:r>
+          </a:p>
+          <a:p>
+            <a:r>
+              <a:rPr lang="en-IN" b="1" dirty="0" err="1" smtClean="0"/>
+              <a:t>Numpy</a:t>
+            </a:r>
+            <a:r>
+              <a:rPr lang="en-IN" b="1" dirty="0" smtClean="0"/>
+              <a:t>, pandas, </a:t>
+            </a:r>
+            <a:r>
+              <a:rPr lang="en-IN" b="1" dirty="0" err="1" smtClean="0"/>
+              <a:t>matplotlib</a:t>
+            </a:r>
+            <a:r>
+              <a:rPr lang="en-IN" b="1" dirty="0" smtClean="0"/>
+              <a:t>, string, math, </a:t>
+            </a:r>
+            <a:r>
+              <a:rPr lang="en-IN" b="1" dirty="0" err="1" smtClean="0"/>
+              <a:t>spacy</a:t>
+            </a:r>
+            <a:r>
+              <a:rPr lang="en-IN" b="1" dirty="0" smtClean="0"/>
+              <a:t>, </a:t>
+            </a:r>
+            <a:r>
+              <a:rPr lang="en-IN" b="1" dirty="0" err="1" smtClean="0"/>
+              <a:t>wordcloud</a:t>
+            </a:r>
+            <a:r>
+              <a:rPr lang="en-IN" b="1" dirty="0" smtClean="0"/>
+              <a:t>, wrap, </a:t>
+            </a:r>
+            <a:r>
+              <a:rPr lang="en-IN" b="1" dirty="0" err="1" smtClean="0"/>
+              <a:t>Textblob</a:t>
+            </a:r>
+            <a:r>
+              <a:rPr lang="en-IN" b="1" dirty="0" smtClean="0"/>
+              <a:t>, </a:t>
+            </a:r>
+            <a:r>
+              <a:rPr lang="en-IN" b="1" dirty="0" err="1" smtClean="0"/>
+              <a:t>BeautifullSoup</a:t>
+            </a:r>
+            <a:r>
+              <a:rPr lang="en-IN" b="1" dirty="0" smtClean="0"/>
+              <a:t>. </a:t>
+            </a:r>
+          </a:p>
+          <a:p>
+            <a:endParaRPr lang="en-IN" b="1" dirty="0"/>
+          </a:p>
+        </p:txBody>
+      </p:sp>
+    </p:spTree>
+  </p:cSld>
+  <p:clrMapOvr>
+    <a:masterClrMapping/>
+  </p:clrMapOvr>
 </p:sld>
 </file>
 
@@ -5091,31 +4624,31 @@
         <a:sysClr val="window" lastClr="FFFFFF"/>
       </a:lt1>
       <a:dk2>
-        <a:srgbClr val="1f497d"/>
+        <a:srgbClr val="1F497D"/>
       </a:dk2>
       <a:lt2>
-        <a:srgbClr val="eeece1"/>
+        <a:srgbClr val="EEECE1"/>
       </a:lt2>
       <a:accent1>
-        <a:srgbClr val="4f81bd"/>
+        <a:srgbClr val="4F81BD"/>
       </a:accent1>
       <a:accent2>
-        <a:srgbClr val="c0504d"/>
+        <a:srgbClr val="C0504D"/>
       </a:accent2>
       <a:accent3>
-        <a:srgbClr val="9bbb59"/>
+        <a:srgbClr val="9BBB59"/>
       </a:accent3>
       <a:accent4>
-        <a:srgbClr val="8064a2"/>
+        <a:srgbClr val="8064A2"/>
       </a:accent4>
       <a:accent5>
-        <a:srgbClr val="4bacc6"/>
+        <a:srgbClr val="4BACC6"/>
       </a:accent5>
       <a:accent6>
-        <a:srgbClr val="f79646"/>
+        <a:srgbClr val="F79646"/>
       </a:accent6>
       <a:hlink>
-        <a:srgbClr val="0000ff"/>
+        <a:srgbClr val="0000FF"/>
       </a:hlink>
       <a:folHlink>
         <a:srgbClr val="800080"/>
@@ -5303,6 +4836,8 @@
       </a:bgFillStyleLst>
     </a:fmtScheme>
   </a:themeElements>
+  <a:objectDefaults/>
+  <a:extraClrSchemeLst/>
 </a:theme>
 </file>
 
@@ -5317,31 +4852,31 @@
         <a:sysClr val="window" lastClr="FFFFFF"/>
       </a:lt1>
       <a:dk2>
-        <a:srgbClr val="1f497d"/>
+        <a:srgbClr val="1F497D"/>
       </a:dk2>
       <a:lt2>
-        <a:srgbClr val="eeece1"/>
+        <a:srgbClr val="EEECE1"/>
       </a:lt2>
       <a:accent1>
-        <a:srgbClr val="4f81bd"/>
+        <a:srgbClr val="4F81BD"/>
       </a:accent1>
       <a:accent2>
-        <a:srgbClr val="c0504d"/>
+        <a:srgbClr val="C0504D"/>
       </a:accent2>
       <a:accent3>
-        <a:srgbClr val="9bbb59"/>
+        <a:srgbClr val="9BBB59"/>
       </a:accent3>
       <a:accent4>
-        <a:srgbClr val="8064a2"/>
+        <a:srgbClr val="8064A2"/>
       </a:accent4>
       <a:accent5>
-        <a:srgbClr val="4bacc6"/>
+        <a:srgbClr val="4BACC6"/>
       </a:accent5>
       <a:accent6>
-        <a:srgbClr val="f79646"/>
+        <a:srgbClr val="F79646"/>
       </a:accent6>
       <a:hlink>
-        <a:srgbClr val="0000ff"/>
+        <a:srgbClr val="0000FF"/>
       </a:hlink>
       <a:folHlink>
         <a:srgbClr val="800080"/>
@@ -5529,5 +5064,7 @@
       </a:bgFillStyleLst>
     </a:fmtScheme>
   </a:themeElements>
+  <a:objectDefaults/>
+  <a:extraClrSchemeLst/>
 </a:theme>
 </file>